--- a/poster/poster.pptx
+++ b/poster/poster.pptx
@@ -257,7 +257,7 @@
               <a:pPr>
                 <a:defRPr/>
               </a:pPr>
-              <a:t>10/5/2017</a:t>
+              <a:t>10/7/2017</a:t>
             </a:fld>
             <a:endParaRPr lang="en-US"/>
           </a:p>
@@ -620,10 +620,7 @@
           <a:bodyPr/>
           <a:lstStyle/>
           <a:p>
-            <a:r>
-              <a:rPr lang="en-AU" dirty="0"/>
-              <a:t>Main headings – Bodoni MT 18PT ALL CAPS</a:t>
-            </a:r>
+            <a:endParaRPr lang="en-AU" dirty="0"/>
           </a:p>
         </p:txBody>
       </p:sp>
@@ -860,7 +857,7 @@
               <a:pPr>
                 <a:defRPr/>
               </a:pPr>
-              <a:t>10/5/2017</a:t>
+              <a:t>10/7/2017</a:t>
             </a:fld>
             <a:endParaRPr lang="en-US"/>
           </a:p>
@@ -1886,7 +1883,7 @@
               <a:pPr>
                 <a:defRPr/>
               </a:pPr>
-              <a:t>10/5/2017</a:t>
+              <a:t>10/7/2017</a:t>
             </a:fld>
             <a:endParaRPr lang="en-US"/>
           </a:p>
@@ -2435,11 +2432,60 @@
           <a:lstStyle/>
           <a:p>
             <a:r>
+              <a:rPr lang="en-US" sz="1800" spc="-150" dirty="0">
+                <a:latin typeface="Bodoni MT" charset="0"/>
+                <a:cs typeface="Helvetica Neue" charset="0"/>
+              </a:rPr>
+              <a:t>WHAT</a:t>
+            </a:r>
+            <a:r>
               <a:rPr lang="en-US" sz="1800" dirty="0">
                 <a:latin typeface="Bodoni MT" charset="0"/>
                 <a:cs typeface="Helvetica Neue" charset="0"/>
               </a:rPr>
-              <a:t>WHAT IS INFORMATION FLOW?</a:t>
+              <a:t> </a:t>
+            </a:r>
+            <a:r>
+              <a:rPr lang="en-US" sz="1800" spc="-150" dirty="0">
+                <a:latin typeface="Bodoni MT" charset="0"/>
+                <a:cs typeface="Helvetica Neue" charset="0"/>
+              </a:rPr>
+              <a:t>IS</a:t>
+            </a:r>
+            <a:r>
+              <a:rPr lang="en-US" sz="1800" dirty="0">
+                <a:latin typeface="Bodoni MT" charset="0"/>
+                <a:cs typeface="Helvetica Neue" charset="0"/>
+              </a:rPr>
+              <a:t> </a:t>
+            </a:r>
+            <a:r>
+              <a:rPr lang="en-US" sz="1800" spc="-150" dirty="0">
+                <a:latin typeface="Bodoni MT" charset="0"/>
+                <a:cs typeface="Helvetica Neue" charset="0"/>
+              </a:rPr>
+              <a:t>INFORMATION</a:t>
+            </a:r>
+            <a:r>
+              <a:rPr lang="en-US" sz="1800" dirty="0">
+                <a:latin typeface="Bodoni MT" charset="0"/>
+                <a:cs typeface="Helvetica Neue" charset="0"/>
+              </a:rPr>
+              <a:t> </a:t>
+            </a:r>
+            <a:r>
+              <a:rPr lang="en-US" sz="1800" spc="-150" dirty="0">
+                <a:latin typeface="Bodoni MT" charset="0"/>
+                <a:cs typeface="Helvetica Neue" charset="0"/>
+              </a:rPr>
+              <a:t>FLOW</a:t>
+            </a:r>
+            <a:r>
+              <a:rPr lang="en-US" sz="1800" dirty="0">
+                <a:latin typeface="Bodoni MT" charset="0"/>
+                <a:cs typeface="Helvetica Neue" charset="0"/>
+              </a:rPr>
+              <a:t>?</a:t>
             </a:r>
             <a:endParaRPr lang="en-US" sz="1600" dirty="0">
               <a:latin typeface="Bodoni MT" charset="0"/>
@@ -3156,7 +3202,7 @@
         </p:blipFill>
         <p:spPr>
           <a:xfrm>
-            <a:off x="572988" y="2182762"/>
+            <a:off x="572988" y="1900375"/>
             <a:ext cx="2440860" cy="1229031"/>
           </a:xfrm>
           <a:ln/>
@@ -3204,13 +3250,104 @@
             </a:endParaRPr>
           </a:p>
           <a:p>
-            <a:r>
-              <a:rPr lang="en-US" dirty="0">
-                <a:latin typeface="Helvetica Neue" charset="0"/>
-                <a:cs typeface="Helvetica Neue" charset="0"/>
-              </a:rPr>
-              <a:t>Stuff</a:t>
-            </a:r>
+            <a:pPr marL="285750" indent="-285750">
+              <a:buFont typeface="Arial" panose="020B0604020202020204" pitchFamily="34" charset="0"/>
+              <a:buChar char="•"/>
+            </a:pPr>
+            <a:r>
+              <a:rPr lang="en-US" dirty="0">
+                <a:latin typeface="Helvetica Neue" charset="0"/>
+                <a:cs typeface="Helvetica Neue" charset="0"/>
+              </a:rPr>
+              <a:t>Research languages</a:t>
+            </a:r>
+          </a:p>
+          <a:p>
+            <a:pPr marL="720000" lvl="1" indent="-285750">
+              <a:buFont typeface="Arial" panose="020B0604020202020204" pitchFamily="34" charset="0"/>
+              <a:buChar char="•"/>
+            </a:pPr>
+            <a:r>
+              <a:rPr lang="en-US" sz="1400" dirty="0">
+                <a:latin typeface="Helvetica Neue" charset="0"/>
+              </a:rPr>
+              <a:t>Little documentation</a:t>
+            </a:r>
+          </a:p>
+          <a:p>
+            <a:pPr marL="720000" lvl="1" indent="-285750">
+              <a:buFont typeface="Arial" panose="020B0604020202020204" pitchFamily="34" charset="0"/>
+              <a:buChar char="•"/>
+            </a:pPr>
+            <a:r>
+              <a:rPr lang="en-US" sz="1400" dirty="0">
+                <a:latin typeface="Helvetica Neue" charset="0"/>
+              </a:rPr>
+              <a:t>Non-existent toolchain</a:t>
+            </a:r>
+          </a:p>
+          <a:p>
+            <a:pPr marL="720000" lvl="1" indent="-285750">
+              <a:buFont typeface="Arial" panose="020B0604020202020204" pitchFamily="34" charset="0"/>
+              <a:buChar char="•"/>
+            </a:pPr>
+            <a:r>
+              <a:rPr lang="en-US" sz="1400" dirty="0">
+                <a:latin typeface="Helvetica Neue" charset="0"/>
+              </a:rPr>
+              <a:t>Compiler bugs</a:t>
+            </a:r>
+          </a:p>
+          <a:p>
+            <a:pPr indent="-284400">
+              <a:buFont typeface="Arial" panose="020B0604020202020204" pitchFamily="34" charset="0"/>
+              <a:buChar char="•"/>
+            </a:pPr>
+            <a:r>
+              <a:rPr lang="en-US" dirty="0">
+                <a:latin typeface="Helvetica Neue" charset="0"/>
+              </a:rPr>
+              <a:t>Conceptual Difficulty</a:t>
+            </a:r>
+          </a:p>
+          <a:p>
+            <a:pPr marL="720000" lvl="1" indent="-284400">
+              <a:buFont typeface="Arial" panose="020B0604020202020204" pitchFamily="34" charset="0"/>
+              <a:buChar char="•"/>
+            </a:pPr>
+            <a:r>
+              <a:rPr lang="en-US" sz="1400" dirty="0">
+                <a:latin typeface="Helvetica Neue" charset="0"/>
+              </a:rPr>
+              <a:t>Requires solid understanding of Information Flow theory</a:t>
+            </a:r>
+          </a:p>
+          <a:p>
+            <a:pPr marL="720000" lvl="1" indent="-284400">
+              <a:buFont typeface="Arial" panose="020B0604020202020204" pitchFamily="34" charset="0"/>
+              <a:buChar char="•"/>
+            </a:pPr>
+            <a:r>
+              <a:rPr lang="en-US" sz="1400" dirty="0">
+                <a:latin typeface="Helvetica Neue" charset="0"/>
+              </a:rPr>
+              <a:t>Lots of literature but very disparate</a:t>
+            </a:r>
+          </a:p>
+          <a:p>
+            <a:pPr marL="720000" lvl="1" indent="-284400">
+              <a:buFont typeface="Arial" panose="020B0604020202020204" pitchFamily="34" charset="0"/>
+              <a:buChar char="•"/>
+            </a:pPr>
+            <a:r>
+              <a:rPr lang="en-US" sz="1400" dirty="0">
+                <a:latin typeface="Helvetica Neue" charset="0"/>
+              </a:rPr>
+              <a:t>Code is not ‘policy agnostic’, causing cognitive burden</a:t>
+            </a:r>
+            <a:endParaRPr lang="en-US" dirty="0">
+              <a:latin typeface="Helvetica Neue" charset="0"/>
+            </a:endParaRPr>
           </a:p>
           <a:p>
             <a:endParaRPr lang="en-US" dirty="0">
@@ -3253,6 +3390,75 @@
                 <a:cs typeface="Helvetica Neue" charset="0"/>
               </a:rPr>
               <a:t>Information Flow and security typing have the potential to make meaningful improvements to program security.</a:t>
+            </a:r>
+          </a:p>
+          <a:p>
+            <a:pPr lvl="0"/>
+            <a:endParaRPr lang="en-US" dirty="0">
+              <a:solidFill>
+                <a:prstClr val="black"/>
+              </a:solidFill>
+              <a:latin typeface="Helvetica Neue" charset="0"/>
+              <a:cs typeface="Helvetica Neue" charset="0"/>
+            </a:endParaRPr>
+          </a:p>
+          <a:p>
+            <a:pPr lvl="0"/>
+            <a:r>
+              <a:rPr lang="en-US" dirty="0">
+                <a:solidFill>
+                  <a:prstClr val="black"/>
+                </a:solidFill>
+                <a:latin typeface="Helvetica Neue" charset="0"/>
+                <a:cs typeface="Helvetica Neue" charset="0"/>
+              </a:rPr>
+              <a:t>Neither JIF nor Paragon are mature enough to be viable implementations.</a:t>
+            </a:r>
+          </a:p>
+          <a:p>
+            <a:pPr lvl="0"/>
+            <a:endParaRPr lang="en-US" dirty="0">
+              <a:solidFill>
+                <a:prstClr val="black"/>
+              </a:solidFill>
+              <a:latin typeface="Helvetica Neue" charset="0"/>
+              <a:cs typeface="Helvetica Neue" charset="0"/>
+            </a:endParaRPr>
+          </a:p>
+          <a:p>
+            <a:pPr lvl="0"/>
+            <a:r>
+              <a:rPr lang="en-US" dirty="0">
+                <a:solidFill>
+                  <a:prstClr val="black"/>
+                </a:solidFill>
+                <a:latin typeface="Helvetica Neue" charset="0"/>
+                <a:cs typeface="Helvetica Neue" charset="0"/>
+              </a:rPr>
+              <a:t>JIF’s policy model is more complex and requires more programmer burden.</a:t>
+            </a:r>
+          </a:p>
+          <a:p>
+            <a:pPr lvl="0"/>
+            <a:endParaRPr lang="en-US" dirty="0">
+              <a:solidFill>
+                <a:prstClr val="black"/>
+              </a:solidFill>
+              <a:latin typeface="Helvetica Neue" charset="0"/>
+              <a:cs typeface="Helvetica Neue" charset="0"/>
+            </a:endParaRPr>
+          </a:p>
+          <a:p>
+            <a:pPr lvl="0"/>
+            <a:r>
+              <a:rPr lang="en-US" dirty="0">
+                <a:solidFill>
+                  <a:prstClr val="black"/>
+                </a:solidFill>
+                <a:latin typeface="Helvetica Neue" charset="0"/>
+                <a:cs typeface="Helvetica Neue" charset="0"/>
+              </a:rPr>
+              <a:t>Paragon’s logic-based policies are both simpler to understand and more powerful.</a:t>
             </a:r>
           </a:p>
           <a:p>
@@ -3990,7 +4196,7 @@
         </p:blipFill>
         <p:spPr>
           <a:xfrm>
-            <a:off x="587250" y="4909573"/>
+            <a:off x="587250" y="4600292"/>
             <a:ext cx="632693" cy="1451025"/>
           </a:xfrm>
           <a:prstGeom prst="rect">
@@ -4020,7 +4226,7 @@
         </p:blipFill>
         <p:spPr>
           <a:xfrm>
-            <a:off x="1580094" y="4906140"/>
+            <a:off x="1580094" y="4596859"/>
             <a:ext cx="1479753" cy="1454458"/>
           </a:xfrm>
           <a:prstGeom prst="rect">
@@ -4042,7 +4248,7 @@
         </p:nvSpPr>
         <p:spPr>
           <a:xfrm>
-            <a:off x="442452" y="7692059"/>
+            <a:off x="442452" y="7436566"/>
             <a:ext cx="3067664" cy="1169551"/>
           </a:xfrm>
           <a:prstGeom prst="rect">
@@ -4497,8 +4703,23 @@
               </a:rPr>
               <a:t> Label Model’ does not require one central source of truth.</a:t>
             </a:r>
-          </a:p>
-          <a:p>
+            <a:br>
+              <a:rPr lang="en-US" dirty="0">
+                <a:solidFill>
+                  <a:prstClr val="black"/>
+                </a:solidFill>
+                <a:latin typeface="Helvetica Neue" charset="0"/>
+              </a:rPr>
+            </a:br>
+            <a:r>
+              <a:rPr lang="en-US" sz="900" dirty="0">
+                <a:solidFill>
+                  <a:prstClr val="black"/>
+                </a:solidFill>
+                <a:latin typeface="Helvetica Neue" charset="0"/>
+              </a:rPr>
+              <a:t> </a:t>
+            </a:r>
             <a:endParaRPr lang="en-US" dirty="0">
               <a:solidFill>
                 <a:prstClr val="black"/>
@@ -4508,6 +4729,76 @@
           </a:p>
           <a:p>
             <a:r>
+              <a:rPr lang="en-US" dirty="0" err="1">
+                <a:solidFill>
+                  <a:srgbClr val="002060"/>
+                </a:solidFill>
+                <a:latin typeface="Consolas" panose="020B0609020204030204" pitchFamily="49" charset="0"/>
+              </a:rPr>
+              <a:t>int</a:t>
+            </a:r>
+            <a:r>
+              <a:rPr lang="en-US" dirty="0">
+                <a:solidFill>
+                  <a:prstClr val="black"/>
+                </a:solidFill>
+                <a:latin typeface="Consolas" panose="020B0609020204030204" pitchFamily="49" charset="0"/>
+              </a:rPr>
+              <a:t>{</a:t>
+            </a:r>
+            <a:r>
+              <a:rPr lang="en-US" dirty="0">
+                <a:solidFill>
+                  <a:srgbClr val="283F11"/>
+                </a:solidFill>
+                <a:latin typeface="Consolas" panose="020B0609020204030204" pitchFamily="49" charset="0"/>
+              </a:rPr>
+              <a:t>Alice</a:t>
+            </a:r>
+            <a:r>
+              <a:rPr lang="en-US" dirty="0">
+                <a:solidFill>
+                  <a:prstClr val="black"/>
+                </a:solidFill>
+                <a:latin typeface="Consolas" panose="020B0609020204030204" pitchFamily="49" charset="0"/>
+              </a:rPr>
+              <a:t>-&gt;</a:t>
+            </a:r>
+            <a:r>
+              <a:rPr lang="en-US" dirty="0">
+                <a:solidFill>
+                  <a:srgbClr val="283F11"/>
+                </a:solidFill>
+                <a:latin typeface="Consolas" panose="020B0609020204030204" pitchFamily="49" charset="0"/>
+              </a:rPr>
+              <a:t>Bob</a:t>
+            </a:r>
+            <a:r>
+              <a:rPr lang="en-US" dirty="0">
+                <a:solidFill>
+                  <a:prstClr val="black"/>
+                </a:solidFill>
+                <a:latin typeface="Consolas" panose="020B0609020204030204" pitchFamily="49" charset="0"/>
+              </a:rPr>
+              <a:t>} x;</a:t>
+            </a:r>
+            <a:br>
+              <a:rPr lang="en-US" dirty="0">
+                <a:solidFill>
+                  <a:prstClr val="black"/>
+                </a:solidFill>
+                <a:latin typeface="Helvetica Neue" charset="0"/>
+              </a:rPr>
+            </a:br>
+            <a:endParaRPr lang="en-US" dirty="0">
+              <a:solidFill>
+                <a:prstClr val="black"/>
+              </a:solidFill>
+              <a:latin typeface="Helvetica Neue" charset="0"/>
+            </a:endParaRPr>
+          </a:p>
+          <a:p>
+            <a:r>
               <a:rPr lang="en-US" b="1" dirty="0">
                 <a:solidFill>
                   <a:prstClr val="black"/>
@@ -4518,6 +4809,11 @@
             </a:r>
           </a:p>
           <a:p>
+            <a:pPr lvl="0" eaLnBrk="1" hangingPunct="1">
+              <a:spcBef>
+                <a:spcPct val="0"/>
+              </a:spcBef>
+            </a:pPr>
             <a:r>
               <a:rPr lang="en-US" dirty="0">
                 <a:solidFill>
@@ -4545,8 +4841,156 @@
               </a:rPr>
               <a:t> policies.</a:t>
             </a:r>
-          </a:p>
-          <a:p>
+            <a:br>
+              <a:rPr lang="en-US" dirty="0">
+                <a:solidFill>
+                  <a:prstClr val="black"/>
+                </a:solidFill>
+                <a:latin typeface="Helvetica Neue" charset="0"/>
+              </a:rPr>
+            </a:br>
+            <a:r>
+              <a:rPr lang="en-US" sz="900" dirty="0">
+                <a:solidFill>
+                  <a:prstClr val="black"/>
+                </a:solidFill>
+                <a:latin typeface="Helvetica Neue" charset="0"/>
+                <a:cs typeface="+mn-cs"/>
+              </a:rPr>
+              <a:t> </a:t>
+            </a:r>
+            <a:br>
+              <a:rPr lang="en-US" dirty="0">
+                <a:solidFill>
+                  <a:prstClr val="black"/>
+                </a:solidFill>
+                <a:latin typeface="Helvetica Neue" charset="0"/>
+              </a:rPr>
+            </a:br>
+            <a:r>
+              <a:rPr lang="en-US" dirty="0">
+                <a:solidFill>
+                  <a:prstClr val="black"/>
+                </a:solidFill>
+                <a:latin typeface="Consolas" panose="020B0609020204030204" pitchFamily="49" charset="0"/>
+              </a:rPr>
+              <a:t>?{</a:t>
+            </a:r>
+            <a:r>
+              <a:rPr lang="en-US" dirty="0" err="1">
+                <a:solidFill>
+                  <a:srgbClr val="283F11"/>
+                </a:solidFill>
+                <a:latin typeface="Consolas" panose="020B0609020204030204" pitchFamily="49" charset="0"/>
+              </a:rPr>
+              <a:t>alice</a:t>
+            </a:r>
+            <a:r>
+              <a:rPr lang="en-US" dirty="0">
+                <a:solidFill>
+                  <a:prstClr val="black"/>
+                </a:solidFill>
+                <a:latin typeface="Consolas" panose="020B0609020204030204" pitchFamily="49" charset="0"/>
+              </a:rPr>
+              <a:t>:} </a:t>
+            </a:r>
+            <a:r>
+              <a:rPr lang="en-US" dirty="0" err="1">
+                <a:solidFill>
+                  <a:srgbClr val="002060"/>
+                </a:solidFill>
+                <a:latin typeface="Consolas" panose="020B0609020204030204" pitchFamily="49" charset="0"/>
+              </a:rPr>
+              <a:t>int</a:t>
+            </a:r>
+            <a:r>
+              <a:rPr lang="en-US" dirty="0">
+                <a:solidFill>
+                  <a:prstClr val="black"/>
+                </a:solidFill>
+                <a:latin typeface="Consolas" panose="020B0609020204030204" pitchFamily="49" charset="0"/>
+              </a:rPr>
+              <a:t> x;</a:t>
+            </a:r>
+            <a:br>
+              <a:rPr lang="en-US" dirty="0">
+                <a:solidFill>
+                  <a:prstClr val="black"/>
+                </a:solidFill>
+                <a:latin typeface="Consolas" panose="020B0609020204030204" pitchFamily="49" charset="0"/>
+              </a:rPr>
+            </a:br>
+            <a:r>
+              <a:rPr lang="en-US" dirty="0">
+                <a:solidFill>
+                  <a:prstClr val="black"/>
+                </a:solidFill>
+                <a:latin typeface="Consolas" panose="020B0609020204030204" pitchFamily="49" charset="0"/>
+              </a:rPr>
+              <a:t>?{</a:t>
+            </a:r>
+            <a:r>
+              <a:rPr lang="en-US" dirty="0">
+                <a:solidFill>
+                  <a:srgbClr val="271D65"/>
+                </a:solidFill>
+                <a:latin typeface="Consolas" panose="020B0609020204030204" pitchFamily="49" charset="0"/>
+              </a:rPr>
+              <a:t>Object</a:t>
+            </a:r>
+            <a:r>
+              <a:rPr lang="en-US" dirty="0">
+                <a:solidFill>
+                  <a:prstClr val="black"/>
+                </a:solidFill>
+                <a:latin typeface="Consolas" panose="020B0609020204030204" pitchFamily="49" charset="0"/>
+              </a:rPr>
+              <a:t> x: </a:t>
+            </a:r>
+            <a:r>
+              <a:rPr lang="en-US" dirty="0" err="1">
+                <a:solidFill>
+                  <a:prstClr val="black"/>
+                </a:solidFill>
+                <a:latin typeface="Consolas" panose="020B0609020204030204" pitchFamily="49" charset="0"/>
+              </a:rPr>
+              <a:t>isAllowed</a:t>
+            </a:r>
+            <a:r>
+              <a:rPr lang="en-US" dirty="0">
+                <a:solidFill>
+                  <a:prstClr val="black"/>
+                </a:solidFill>
+                <a:latin typeface="Consolas" panose="020B0609020204030204" pitchFamily="49" charset="0"/>
+              </a:rPr>
+              <a:t>(x)} </a:t>
+            </a:r>
+            <a:r>
+              <a:rPr lang="en-US" dirty="0" err="1">
+                <a:solidFill>
+                  <a:srgbClr val="002060"/>
+                </a:solidFill>
+                <a:latin typeface="Consolas" panose="020B0609020204030204" pitchFamily="49" charset="0"/>
+              </a:rPr>
+              <a:t>int</a:t>
+            </a:r>
+            <a:r>
+              <a:rPr lang="en-US" dirty="0">
+                <a:solidFill>
+                  <a:prstClr val="black"/>
+                </a:solidFill>
+                <a:latin typeface="Consolas" panose="020B0609020204030204" pitchFamily="49" charset="0"/>
+              </a:rPr>
+              <a:t> x;</a:t>
+            </a:r>
+            <a:br>
+              <a:rPr lang="en-US" dirty="0">
+                <a:solidFill>
+                  <a:prstClr val="black"/>
+                </a:solidFill>
+                <a:latin typeface="Helvetica Neue" charset="0"/>
+              </a:rPr>
+            </a:br>
             <a:endParaRPr lang="en-US" sz="1800" dirty="0">
               <a:solidFill>
                 <a:prstClr val="black"/>
@@ -4615,18 +5059,6 @@
             </a:r>
           </a:p>
           <a:p>
-            <a:r>
-              <a:rPr lang="en-US" dirty="0">
-                <a:solidFill>
-                  <a:prstClr val="black"/>
-                </a:solidFill>
-                <a:latin typeface="Helvetica Neue" charset="0"/>
-                <a:cs typeface="Helvetica Neue" charset="0"/>
-              </a:rPr>
-              <a:t>&lt;example?&gt;</a:t>
-            </a:r>
-          </a:p>
-          <a:p>
             <a:endParaRPr lang="en-US" dirty="0">
               <a:solidFill>
                 <a:prstClr val="black"/>
@@ -4692,18 +5124,6 @@
             </a:r>
           </a:p>
           <a:p>
-            <a:r>
-              <a:rPr lang="en-US" dirty="0">
-                <a:solidFill>
-                  <a:prstClr val="black"/>
-                </a:solidFill>
-                <a:latin typeface="Helvetica Neue" charset="0"/>
-                <a:cs typeface="Helvetica Neue" charset="0"/>
-              </a:rPr>
-              <a:t>&lt;example?&gt;</a:t>
-            </a:r>
-          </a:p>
-          <a:p>
             <a:endParaRPr lang="en-US" dirty="0">
               <a:solidFill>
                 <a:prstClr val="black"/>
@@ -4733,7 +5153,7 @@
                 <a:latin typeface="Helvetica Neue" charset="0"/>
                 <a:cs typeface="Helvetica Neue" charset="0"/>
               </a:rPr>
-              <a:t>Requires policy dependent on a list of attendees.</a:t>
+              <a:t>Requires policy dependent on a runtime list of attendees.</a:t>
             </a:r>
             <a:br>
               <a:rPr lang="en-US" dirty="0">
@@ -4753,18 +5173,6 @@
                 <a:cs typeface="Helvetica Neue" charset="0"/>
               </a:rPr>
               <a:t>Neither JIF nor Paragon can encode this.</a:t>
-            </a:r>
-          </a:p>
-          <a:p>
-            <a:r>
-              <a:rPr lang="en-US" dirty="0">
-                <a:solidFill>
-                  <a:prstClr val="black"/>
-                </a:solidFill>
-                <a:latin typeface="Helvetica Neue" charset="0"/>
-                <a:cs typeface="Helvetica Neue" charset="0"/>
-              </a:rPr>
-              <a:t>&lt;example?&gt;</a:t>
             </a:r>
           </a:p>
         </p:txBody>

--- a/poster/poster.pptx
+++ b/poster/poster.pptx
@@ -257,7 +257,7 @@
               <a:pPr>
                 <a:defRPr/>
               </a:pPr>
-              <a:t>10/7/2017</a:t>
+              <a:t>10/10/2017</a:t>
             </a:fld>
             <a:endParaRPr lang="en-US"/>
           </a:p>
@@ -857,7 +857,7 @@
               <a:pPr>
                 <a:defRPr/>
               </a:pPr>
-              <a:t>10/7/2017</a:t>
+              <a:t>10/10/2017</a:t>
             </a:fld>
             <a:endParaRPr lang="en-US"/>
           </a:p>
@@ -1883,7 +1883,7 @@
               <a:pPr>
                 <a:defRPr/>
               </a:pPr>
-              <a:t>10/7/2017</a:t>
+              <a:t>10/10/2017</a:t>
             </a:fld>
             <a:endParaRPr lang="en-US"/>
           </a:p>
@@ -2428,67 +2428,90 @@
           <a:ln/>
         </p:spPr>
         <p:txBody>
-          <a:bodyPr/>
+          <a:bodyPr lIns="72000" rIns="72000"/>
           <a:lstStyle/>
           <a:p>
             <a:r>
               <a:rPr lang="en-US" sz="1800" spc="-150" dirty="0">
+                <a:solidFill>
+                  <a:prstClr val="black"/>
+                </a:solidFill>
                 <a:latin typeface="Bodoni MT" charset="0"/>
-                <a:cs typeface="Helvetica Neue" charset="0"/>
               </a:rPr>
               <a:t>WHAT</a:t>
             </a:r>
             <a:r>
               <a:rPr lang="en-US" sz="1800" dirty="0">
+                <a:solidFill>
+                  <a:prstClr val="black"/>
+                </a:solidFill>
                 <a:latin typeface="Bodoni MT" charset="0"/>
-                <a:cs typeface="Helvetica Neue" charset="0"/>
               </a:rPr>
               <a:t> </a:t>
             </a:r>
             <a:r>
               <a:rPr lang="en-US" sz="1800" spc="-150" dirty="0">
+                <a:solidFill>
+                  <a:prstClr val="black"/>
+                </a:solidFill>
                 <a:latin typeface="Bodoni MT" charset="0"/>
-                <a:cs typeface="Helvetica Neue" charset="0"/>
               </a:rPr>
               <a:t>IS</a:t>
             </a:r>
             <a:r>
               <a:rPr lang="en-US" sz="1800" dirty="0">
+                <a:solidFill>
+                  <a:prstClr val="black"/>
+                </a:solidFill>
                 <a:latin typeface="Bodoni MT" charset="0"/>
-                <a:cs typeface="Helvetica Neue" charset="0"/>
-              </a:rPr>
-              <a:t> </a:t>
+              </a:rPr>
+              <a:t> INFORMATION </a:t>
             </a:r>
             <a:r>
               <a:rPr lang="en-US" sz="1800" spc="-150" dirty="0">
+                <a:solidFill>
+                  <a:prstClr val="black"/>
+                </a:solidFill>
                 <a:latin typeface="Bodoni MT" charset="0"/>
-                <a:cs typeface="Helvetica Neue" charset="0"/>
-              </a:rPr>
-              <a:t>INFORMATION</a:t>
-            </a:r>
-            <a:r>
-              <a:rPr lang="en-US" sz="1800" dirty="0">
-                <a:latin typeface="Bodoni MT" charset="0"/>
-                <a:cs typeface="Helvetica Neue" charset="0"/>
-              </a:rPr>
-              <a:t> </a:t>
-            </a:r>
-            <a:r>
-              <a:rPr lang="en-US" sz="1800" spc="-150" dirty="0">
-                <a:latin typeface="Bodoni MT" charset="0"/>
-                <a:cs typeface="Helvetica Neue" charset="0"/>
-              </a:rPr>
-              <a:t>FLOW</a:t>
-            </a:r>
-            <a:r>
-              <a:rPr lang="en-US" sz="1800" dirty="0">
-                <a:latin typeface="Bodoni MT" charset="0"/>
-                <a:cs typeface="Helvetica Neue" charset="0"/>
-              </a:rPr>
-              <a:t>?</a:t>
-            </a:r>
-            <a:endParaRPr lang="en-US" sz="1600" dirty="0">
-              <a:latin typeface="Bodoni MT" charset="0"/>
+              </a:rPr>
+              <a:t>FLOW?</a:t>
+            </a:r>
+          </a:p>
+          <a:p>
+            <a:r>
+              <a:rPr lang="en-US" b="1" dirty="0">
+                <a:latin typeface="Helvetica Neue" charset="0"/>
+                <a:cs typeface="Helvetica Neue" charset="0"/>
+              </a:rPr>
+              <a:t>Access Control</a:t>
+            </a:r>
+          </a:p>
+          <a:p>
+            <a:r>
+              <a:rPr lang="en-US" dirty="0">
+                <a:latin typeface="Helvetica Neue" charset="0"/>
+                <a:cs typeface="Helvetica Neue" charset="0"/>
+              </a:rPr>
+              <a:t>Confidentiality is controlled by performing </a:t>
+            </a:r>
+            <a:r>
+              <a:rPr lang="en-US" i="1" dirty="0">
+                <a:latin typeface="Helvetica Neue" charset="0"/>
+                <a:cs typeface="Helvetica Neue" charset="0"/>
+              </a:rPr>
+              <a:t>access checks</a:t>
+            </a:r>
+            <a:r>
+              <a:rPr lang="en-US" dirty="0">
+                <a:latin typeface="Helvetica Neue" charset="0"/>
+                <a:cs typeface="Helvetica Neue" charset="0"/>
+              </a:rPr>
+              <a:t>.</a:t>
+            </a:r>
+          </a:p>
+          <a:p>
+            <a:endParaRPr lang="en-US" sz="800" dirty="0">
+              <a:latin typeface="Helvetica Neue" charset="0"/>
               <a:cs typeface="Helvetica Neue" charset="0"/>
             </a:endParaRPr>
           </a:p>
@@ -2559,161 +2582,207 @@
                 <a:cs typeface="Helvetica Neue" charset="0"/>
               </a:rPr>
             </a:br>
+            <a:br>
+              <a:rPr lang="en-US" dirty="0">
+                <a:latin typeface="Helvetica Neue" charset="0"/>
+                <a:cs typeface="Helvetica Neue" charset="0"/>
+              </a:rPr>
+            </a:br>
+            <a:r>
+              <a:rPr lang="en-US" b="1" dirty="0">
+                <a:latin typeface="Helvetica Neue" charset="0"/>
+                <a:cs typeface="Helvetica Neue" charset="0"/>
+              </a:rPr>
+              <a:t>The Bell-</a:t>
+            </a:r>
+            <a:r>
+              <a:rPr lang="en-US" b="1" dirty="0" err="1">
+                <a:latin typeface="Helvetica Neue" charset="0"/>
+                <a:cs typeface="Helvetica Neue" charset="0"/>
+              </a:rPr>
+              <a:t>Lapadula</a:t>
+            </a:r>
+            <a:r>
+              <a:rPr lang="en-US" b="1" dirty="0">
+                <a:latin typeface="Helvetica Neue" charset="0"/>
+                <a:cs typeface="Helvetica Neue" charset="0"/>
+              </a:rPr>
+              <a:t> Lattice Model</a:t>
+            </a:r>
+            <a:endParaRPr lang="en-US" dirty="0">
+              <a:latin typeface="Helvetica Neue" charset="0"/>
+              <a:cs typeface="Helvetica Neue" charset="0"/>
+            </a:endParaRPr>
+          </a:p>
+          <a:p>
+            <a:r>
+              <a:rPr lang="en-US" dirty="0">
+                <a:latin typeface="Helvetica Neue" charset="0"/>
+                <a:cs typeface="Helvetica Neue" charset="0"/>
+              </a:rPr>
+              <a:t>Extends Mandatory Access Control.</a:t>
+            </a:r>
+            <a:br>
+              <a:rPr lang="en-US" dirty="0">
+                <a:latin typeface="Helvetica Neue" charset="0"/>
+                <a:cs typeface="Helvetica Neue" charset="0"/>
+              </a:rPr>
+            </a:br>
+            <a:r>
+              <a:rPr lang="en-US" dirty="0">
+                <a:latin typeface="Helvetica Neue" charset="0"/>
+                <a:cs typeface="Helvetica Neue" charset="0"/>
+              </a:rPr>
+              <a:t>Uses a </a:t>
+            </a:r>
+            <a:r>
+              <a:rPr lang="en-US" i="1" dirty="0">
+                <a:latin typeface="Helvetica Neue" charset="0"/>
+                <a:cs typeface="Helvetica Neue" charset="0"/>
+              </a:rPr>
+              <a:t>lattice</a:t>
+            </a:r>
+            <a:r>
+              <a:rPr lang="en-US" dirty="0">
+                <a:latin typeface="Helvetica Neue" charset="0"/>
+                <a:cs typeface="Helvetica Neue" charset="0"/>
+              </a:rPr>
+              <a:t> of confidentiality states.</a:t>
+            </a:r>
+            <a:br>
+              <a:rPr lang="en-US" dirty="0">
+                <a:latin typeface="Helvetica Neue" charset="0"/>
+                <a:cs typeface="Helvetica Neue" charset="0"/>
+              </a:rPr>
+            </a:br>
+            <a:endParaRPr lang="en-US" dirty="0">
+              <a:latin typeface="Helvetica Neue" charset="0"/>
+              <a:cs typeface="Helvetica Neue" charset="0"/>
+            </a:endParaRPr>
+          </a:p>
+          <a:p>
             <a:endParaRPr lang="en-US" b="1" dirty="0">
               <a:latin typeface="Helvetica Neue" charset="0"/>
               <a:cs typeface="Helvetica Neue" charset="0"/>
             </a:endParaRPr>
           </a:p>
           <a:p>
-            <a:r>
+            <a:br>
               <a:rPr lang="en-US" b="1" dirty="0">
                 <a:latin typeface="Helvetica Neue" charset="0"/>
                 <a:cs typeface="Helvetica Neue" charset="0"/>
               </a:rPr>
-              <a:t>Mandatory Access Control</a:t>
-            </a:r>
-          </a:p>
-          <a:p>
-            <a:r>
-              <a:rPr lang="en-US" dirty="0">
-                <a:latin typeface="Helvetica Neue" charset="0"/>
-                <a:cs typeface="Helvetica Neue" charset="0"/>
-              </a:rPr>
-              <a:t>A </a:t>
-            </a:r>
-            <a:r>
-              <a:rPr lang="en-US" i="1" dirty="0">
-                <a:latin typeface="Helvetica Neue" charset="0"/>
-                <a:cs typeface="Helvetica Neue" charset="0"/>
-              </a:rPr>
-              <a:t>lattice</a:t>
-            </a:r>
-            <a:r>
-              <a:rPr lang="en-US" dirty="0">
-                <a:latin typeface="Helvetica Neue" charset="0"/>
-                <a:cs typeface="Helvetica Neue" charset="0"/>
-              </a:rPr>
-              <a:t> of confidentiality states.</a:t>
-            </a:r>
-          </a:p>
-          <a:p>
+            </a:br>
+            <a:br>
+              <a:rPr lang="en-US" b="1" dirty="0">
+                <a:latin typeface="Helvetica Neue" charset="0"/>
+                <a:cs typeface="Helvetica Neue" charset="0"/>
+              </a:rPr>
+            </a:br>
+            <a:br>
+              <a:rPr lang="en-US" b="1" dirty="0">
+                <a:latin typeface="Helvetica Neue" charset="0"/>
+                <a:cs typeface="Helvetica Neue" charset="0"/>
+              </a:rPr>
+            </a:br>
+            <a:br>
+              <a:rPr lang="en-US" b="1" dirty="0">
+                <a:latin typeface="Helvetica Neue" charset="0"/>
+                <a:cs typeface="Helvetica Neue" charset="0"/>
+              </a:rPr>
+            </a:br>
+            <a:br>
+              <a:rPr lang="en-US" b="1" dirty="0">
+                <a:latin typeface="Helvetica Neue" charset="0"/>
+                <a:cs typeface="Helvetica Neue" charset="0"/>
+              </a:rPr>
+            </a:br>
+            <a:r>
+              <a:rPr lang="en-AU" dirty="0">
+                <a:latin typeface="Helvetica Neue" charset="0"/>
+                <a:cs typeface="Helvetica Neue" charset="0"/>
+              </a:rPr>
+              <a:t>Arrows show direction of allowed flow.</a:t>
+            </a:r>
+            <a:br>
+              <a:rPr lang="en-US" b="1" dirty="0">
+                <a:latin typeface="Helvetica Neue" charset="0"/>
+                <a:cs typeface="Helvetica Neue" charset="0"/>
+              </a:rPr>
+            </a:br>
+            <a:br>
+              <a:rPr lang="en-US" b="1" dirty="0">
+                <a:latin typeface="Helvetica Neue" charset="0"/>
+                <a:cs typeface="Helvetica Neue" charset="0"/>
+              </a:rPr>
+            </a:br>
+            <a:r>
+              <a:rPr lang="en-US" b="1" dirty="0">
+                <a:latin typeface="Helvetica Neue" charset="0"/>
+                <a:cs typeface="Helvetica Neue" charset="0"/>
+              </a:rPr>
+              <a:t>Enforcing Information Flow</a:t>
+            </a:r>
             <a:endParaRPr lang="en-US" dirty="0">
               <a:latin typeface="Helvetica Neue" charset="0"/>
               <a:cs typeface="Helvetica Neue" charset="0"/>
             </a:endParaRPr>
           </a:p>
           <a:p>
-            <a:endParaRPr lang="en-US" b="1" dirty="0">
-              <a:latin typeface="Helvetica Neue" charset="0"/>
-              <a:cs typeface="Helvetica Neue" charset="0"/>
-            </a:endParaRPr>
-          </a:p>
-          <a:p>
+            <a:r>
+              <a:rPr lang="en-US" dirty="0">
+                <a:latin typeface="Helvetica Neue" charset="0"/>
+                <a:cs typeface="Helvetica Neue" charset="0"/>
+              </a:rPr>
+              <a:t>A </a:t>
+            </a:r>
+            <a:r>
+              <a:rPr lang="en-US" i="1" dirty="0">
+                <a:latin typeface="Helvetica Neue" charset="0"/>
+                <a:cs typeface="Helvetica Neue" charset="0"/>
+              </a:rPr>
+              <a:t>non-interfering</a:t>
+            </a:r>
+            <a:r>
+              <a:rPr lang="en-US" dirty="0">
+                <a:latin typeface="Helvetica Neue" charset="0"/>
+                <a:cs typeface="Helvetica Neue" charset="0"/>
+              </a:rPr>
+              <a:t> program contains no invalid information flows.</a:t>
+            </a:r>
             <a:br>
-              <a:rPr lang="en-US" b="1" dirty="0">
+              <a:rPr lang="en-US" dirty="0">
                 <a:latin typeface="Helvetica Neue" charset="0"/>
                 <a:cs typeface="Helvetica Neue" charset="0"/>
               </a:rPr>
             </a:br>
             <a:br>
-              <a:rPr lang="en-US" b="1" dirty="0">
+              <a:rPr lang="en-US" dirty="0">
                 <a:latin typeface="Helvetica Neue" charset="0"/>
                 <a:cs typeface="Helvetica Neue" charset="0"/>
               </a:rPr>
             </a:br>
-            <a:br>
-              <a:rPr lang="en-US" b="1" dirty="0">
-                <a:latin typeface="Helvetica Neue" charset="0"/>
-                <a:cs typeface="Helvetica Neue" charset="0"/>
-              </a:rPr>
-            </a:br>
-            <a:br>
-              <a:rPr lang="en-US" b="1" dirty="0">
-                <a:latin typeface="Helvetica Neue" charset="0"/>
-                <a:cs typeface="Helvetica Neue" charset="0"/>
-              </a:rPr>
-            </a:br>
-            <a:br>
-              <a:rPr lang="en-US" b="1" dirty="0">
-                <a:latin typeface="Helvetica Neue" charset="0"/>
-                <a:cs typeface="Helvetica Neue" charset="0"/>
-              </a:rPr>
-            </a:br>
-            <a:r>
-              <a:rPr lang="en-AU" dirty="0">
-                <a:latin typeface="Helvetica Neue" charset="0"/>
-                <a:cs typeface="Helvetica Neue" charset="0"/>
-              </a:rPr>
-              <a:t>Arrows show direction of allowed flow.</a:t>
-            </a:r>
-            <a:br>
-              <a:rPr lang="en-US" b="1" dirty="0">
-                <a:latin typeface="Helvetica Neue" charset="0"/>
-                <a:cs typeface="Helvetica Neue" charset="0"/>
-              </a:rPr>
-            </a:br>
-            <a:br>
-              <a:rPr lang="en-US" b="1" dirty="0">
-                <a:latin typeface="Helvetica Neue" charset="0"/>
-                <a:cs typeface="Helvetica Neue" charset="0"/>
-              </a:rPr>
-            </a:br>
-            <a:r>
-              <a:rPr lang="en-US" b="1" dirty="0">
-                <a:latin typeface="Helvetica Neue" charset="0"/>
-                <a:cs typeface="Helvetica Neue" charset="0"/>
-              </a:rPr>
-              <a:t>Non-Interference</a:t>
-            </a:r>
-          </a:p>
-          <a:p>
-            <a:r>
-              <a:rPr lang="en-US" dirty="0">
-                <a:latin typeface="Helvetica Neue" charset="0"/>
-                <a:cs typeface="Helvetica Neue" charset="0"/>
-              </a:rPr>
-              <a:t>Information Flow can be </a:t>
-            </a:r>
-            <a:r>
-              <a:rPr lang="en-AU" dirty="0">
-                <a:latin typeface="Helvetica Neue" charset="0"/>
-                <a:cs typeface="Helvetica Neue" charset="0"/>
-              </a:rPr>
-              <a:t>formalised</a:t>
-            </a:r>
-            <a:r>
-              <a:rPr lang="en-US" dirty="0">
-                <a:latin typeface="Helvetica Neue" charset="0"/>
-                <a:cs typeface="Helvetica Neue" charset="0"/>
-              </a:rPr>
-              <a:t> as </a:t>
+            <a:r>
+              <a:rPr lang="en-US" dirty="0">
+                <a:latin typeface="Helvetica Neue" charset="0"/>
+                <a:cs typeface="Helvetica Neue" charset="0"/>
+              </a:rPr>
+              <a:t>A program can be </a:t>
             </a:r>
             <a:r>
               <a:rPr lang="en-US" i="1" dirty="0">
                 <a:latin typeface="Helvetica Neue" charset="0"/>
                 <a:cs typeface="Helvetica Neue" charset="0"/>
               </a:rPr>
-              <a:t>non-interference</a:t>
-            </a:r>
-            <a:r>
-              <a:rPr lang="en-US" dirty="0">
-                <a:latin typeface="Helvetica Neue" charset="0"/>
-                <a:cs typeface="Helvetica Neue" charset="0"/>
-              </a:rPr>
-              <a:t>:</a:t>
-            </a:r>
-          </a:p>
-          <a:p>
-            <a:endParaRPr lang="en-US" dirty="0">
-              <a:latin typeface="Helvetica Neue" charset="0"/>
-              <a:cs typeface="Helvetica Neue" charset="0"/>
-            </a:endParaRPr>
-          </a:p>
-          <a:p>
-            <a:endParaRPr lang="en-US" dirty="0">
-              <a:latin typeface="Helvetica Neue" charset="0"/>
-              <a:cs typeface="Helvetica Neue" charset="0"/>
-            </a:endParaRPr>
+              <a:t>verified</a:t>
+            </a:r>
+            <a:r>
+              <a:rPr lang="en-US" dirty="0">
+                <a:latin typeface="Helvetica Neue" charset="0"/>
+                <a:cs typeface="Helvetica Neue" charset="0"/>
+              </a:rPr>
+              <a:t> as being non-interfering statically via type checking.</a:t>
+            </a:r>
           </a:p>
           <a:p>
             <a:endParaRPr lang="en-US" dirty="0">
@@ -3202,7 +3271,7 @@
         </p:blipFill>
         <p:spPr>
           <a:xfrm>
-            <a:off x="572988" y="1900375"/>
+            <a:off x="374982" y="2742563"/>
             <a:ext cx="2440860" cy="1229031"/>
           </a:xfrm>
           <a:ln/>
@@ -3389,8 +3458,25 @@
                 <a:latin typeface="Helvetica Neue" charset="0"/>
                 <a:cs typeface="Helvetica Neue" charset="0"/>
               </a:rPr>
-              <a:t>Information Flow and security typing have the potential to make meaningful improvements to program security.</a:t>
-            </a:r>
+              <a:t>Information Flow and security typing have many </a:t>
+            </a:r>
+            <a:r>
+              <a:rPr lang="en-US">
+                <a:solidFill>
+                  <a:prstClr val="black"/>
+                </a:solidFill>
+                <a:latin typeface="Helvetica Neue" charset="0"/>
+                <a:cs typeface="Helvetica Neue" charset="0"/>
+              </a:rPr>
+              <a:t>potential applications.</a:t>
+            </a:r>
+            <a:endParaRPr lang="en-US" dirty="0">
+              <a:solidFill>
+                <a:prstClr val="black"/>
+              </a:solidFill>
+              <a:latin typeface="Helvetica Neue" charset="0"/>
+              <a:cs typeface="Helvetica Neue" charset="0"/>
+            </a:endParaRPr>
           </a:p>
           <a:p>
             <a:pPr lvl="0"/>
@@ -3485,7 +3571,7 @@
         </p:nvSpPr>
         <p:spPr bwMode="auto">
           <a:xfrm>
-            <a:off x="15042579" y="1270000"/>
+            <a:off x="16124185" y="111920"/>
             <a:ext cx="3498850" cy="7656513"/>
           </a:xfrm>
           <a:prstGeom prst="rect">
@@ -4174,66 +4260,87 @@
           </a:p>
         </p:txBody>
       </p:sp>
-      <p:pic>
-        <p:nvPicPr>
-          <p:cNvPr id="5" name="Picture 4">
+      <p:grpSp>
+        <p:nvGrpSpPr>
+          <p:cNvPr id="2" name="Group 1">
             <a:extLst>
               <a:ext uri="{FF2B5EF4-FFF2-40B4-BE49-F238E27FC236}">
-                <a16:creationId xmlns:a16="http://schemas.microsoft.com/office/drawing/2014/main" id="{5C17ABAA-4FFD-4C1A-B27D-F7CE85A22708}"/>
+                <a16:creationId xmlns:a16="http://schemas.microsoft.com/office/drawing/2014/main" id="{227E8866-17C3-4760-B681-E2B225BC7848}"/>
               </a:ext>
             </a:extLst>
           </p:cNvPr>
-          <p:cNvPicPr>
-            <a:picLocks noChangeAspect="1"/>
-          </p:cNvPicPr>
+          <p:cNvGrpSpPr/>
           <p:nvPr/>
-        </p:nvPicPr>
-        <p:blipFill>
-          <a:blip r:embed="rId4"/>
-          <a:stretch>
-            <a:fillRect/>
-          </a:stretch>
-        </p:blipFill>
-        <p:spPr>
+        </p:nvGrpSpPr>
+        <p:grpSpPr>
           <a:xfrm>
-            <a:off x="587250" y="4600292"/>
-            <a:ext cx="632693" cy="1451025"/>
+            <a:off x="516430" y="5583903"/>
+            <a:ext cx="2472597" cy="1454458"/>
+            <a:chOff x="480252" y="5108136"/>
+            <a:chExt cx="2472597" cy="1454458"/>
           </a:xfrm>
-          <a:prstGeom prst="rect">
-            <a:avLst/>
-          </a:prstGeom>
-        </p:spPr>
-      </p:pic>
-      <p:pic>
-        <p:nvPicPr>
-          <p:cNvPr id="6" name="Picture 5">
-            <a:extLst>
-              <a:ext uri="{FF2B5EF4-FFF2-40B4-BE49-F238E27FC236}">
-                <a16:creationId xmlns:a16="http://schemas.microsoft.com/office/drawing/2014/main" id="{5DDE8FD4-4A4E-4951-BC43-B9B6EAE5F3E7}"/>
-              </a:ext>
-            </a:extLst>
-          </p:cNvPr>
-          <p:cNvPicPr>
-            <a:picLocks noChangeAspect="1"/>
-          </p:cNvPicPr>
-          <p:nvPr/>
-        </p:nvPicPr>
-        <p:blipFill>
-          <a:blip r:embed="rId5"/>
-          <a:stretch>
-            <a:fillRect/>
-          </a:stretch>
-        </p:blipFill>
-        <p:spPr>
-          <a:xfrm>
-            <a:off x="1580094" y="4596859"/>
-            <a:ext cx="1479753" cy="1454458"/>
-          </a:xfrm>
-          <a:prstGeom prst="rect">
-            <a:avLst/>
-          </a:prstGeom>
-        </p:spPr>
-      </p:pic>
+        </p:grpSpPr>
+        <p:pic>
+          <p:nvPicPr>
+            <p:cNvPr id="5" name="Picture 4">
+              <a:extLst>
+                <a:ext uri="{FF2B5EF4-FFF2-40B4-BE49-F238E27FC236}">
+                  <a16:creationId xmlns:a16="http://schemas.microsoft.com/office/drawing/2014/main" id="{5C17ABAA-4FFD-4C1A-B27D-F7CE85A22708}"/>
+                </a:ext>
+              </a:extLst>
+            </p:cNvPr>
+            <p:cNvPicPr>
+              <a:picLocks noChangeAspect="1"/>
+            </p:cNvPicPr>
+            <p:nvPr/>
+          </p:nvPicPr>
+          <p:blipFill>
+            <a:blip r:embed="rId4"/>
+            <a:stretch>
+              <a:fillRect/>
+            </a:stretch>
+          </p:blipFill>
+          <p:spPr>
+            <a:xfrm>
+              <a:off x="480252" y="5111569"/>
+              <a:ext cx="632693" cy="1451025"/>
+            </a:xfrm>
+            <a:prstGeom prst="rect">
+              <a:avLst/>
+            </a:prstGeom>
+          </p:spPr>
+        </p:pic>
+        <p:pic>
+          <p:nvPicPr>
+            <p:cNvPr id="6" name="Picture 5">
+              <a:extLst>
+                <a:ext uri="{FF2B5EF4-FFF2-40B4-BE49-F238E27FC236}">
+                  <a16:creationId xmlns:a16="http://schemas.microsoft.com/office/drawing/2014/main" id="{5DDE8FD4-4A4E-4951-BC43-B9B6EAE5F3E7}"/>
+                </a:ext>
+              </a:extLst>
+            </p:cNvPr>
+            <p:cNvPicPr>
+              <a:picLocks noChangeAspect="1"/>
+            </p:cNvPicPr>
+            <p:nvPr/>
+          </p:nvPicPr>
+          <p:blipFill>
+            <a:blip r:embed="rId5"/>
+            <a:stretch>
+              <a:fillRect/>
+            </a:stretch>
+          </p:blipFill>
+          <p:spPr>
+            <a:xfrm>
+              <a:off x="1473096" y="5108136"/>
+              <a:ext cx="1479753" cy="1454458"/>
+            </a:xfrm>
+            <a:prstGeom prst="rect">
+              <a:avLst/>
+            </a:prstGeom>
+          </p:spPr>
+        </p:pic>
+      </p:grpSp>
       <p:sp>
         <p:nvSpPr>
           <p:cNvPr id="14" name="TextBox 13">
@@ -4248,7 +4355,7 @@
         </p:nvSpPr>
         <p:spPr>
           <a:xfrm>
-            <a:off x="442452" y="7436566"/>
+            <a:off x="16724671" y="8606117"/>
             <a:ext cx="3067664" cy="1169551"/>
           </a:xfrm>
           <a:prstGeom prst="rect">

--- a/poster/poster.pptx
+++ b/poster/poster.pptx
@@ -257,7 +257,7 @@
               <a:pPr>
                 <a:defRPr/>
               </a:pPr>
-              <a:t>10/10/2017</a:t>
+              <a:t>10/16/2017</a:t>
             </a:fld>
             <a:endParaRPr lang="en-US"/>
           </a:p>
@@ -857,7 +857,7 @@
               <a:pPr>
                 <a:defRPr/>
               </a:pPr>
-              <a:t>10/10/2017</a:t>
+              <a:t>10/16/2017</a:t>
             </a:fld>
             <a:endParaRPr lang="en-US"/>
           </a:p>
@@ -1883,7 +1883,7 @@
               <a:pPr>
                 <a:defRPr/>
               </a:pPr>
-              <a:t>10/10/2017</a:t>
+              <a:t>10/16/2017</a:t>
             </a:fld>
             <a:endParaRPr lang="en-US"/>
           </a:p>
@@ -3440,6 +3440,66 @@
               </a:rPr>
               <a:t>CONCLUSIONS</a:t>
             </a:r>
+          </a:p>
+          <a:p>
+            <a:pPr lvl="0" eaLnBrk="1" hangingPunct="1">
+              <a:spcBef>
+                <a:spcPct val="0"/>
+              </a:spcBef>
+            </a:pPr>
+            <a:r>
+              <a:rPr lang="en-US" dirty="0">
+                <a:latin typeface="Helvetica Neue" charset="0"/>
+                <a:cs typeface="Helvetica Neue" charset="0"/>
+              </a:rPr>
+              <a:t>Information Flow has potential in any context where verifying its correctness with respect to security is relevant.</a:t>
+            </a:r>
+            <a:br>
+              <a:rPr lang="en-US" dirty="0">
+                <a:latin typeface="Helvetica Neue" charset="0"/>
+                <a:cs typeface="Helvetica Neue" charset="0"/>
+              </a:rPr>
+            </a:br>
+            <a:br>
+              <a:rPr lang="en-US" dirty="0">
+                <a:latin typeface="Helvetica Neue" charset="0"/>
+                <a:cs typeface="Helvetica Neue" charset="0"/>
+              </a:rPr>
+            </a:br>
+            <a:r>
+              <a:rPr lang="en-US" dirty="0">
+                <a:latin typeface="Helvetica Neue" charset="0"/>
+                <a:cs typeface="Helvetica Neue" charset="0"/>
+              </a:rPr>
+              <a:t>Neither JIF nor Paragon are mature implementations, but Paragon’s ease and expressivity for dynamic policies make it more practical for real world development.</a:t>
+            </a:r>
+            <a:br>
+              <a:rPr lang="en-US" dirty="0">
+                <a:latin typeface="Helvetica Neue" charset="0"/>
+                <a:cs typeface="Helvetica Neue" charset="0"/>
+              </a:rPr>
+            </a:br>
+            <a:endParaRPr lang="en-US" dirty="0">
+              <a:latin typeface="Helvetica Neue" charset="0"/>
+              <a:cs typeface="Helvetica Neue" charset="0"/>
+            </a:endParaRPr>
+          </a:p>
+          <a:p>
+            <a:pPr lvl="0" eaLnBrk="1" hangingPunct="1">
+              <a:spcBef>
+                <a:spcPct val="0"/>
+              </a:spcBef>
+            </a:pPr>
+            <a:r>
+              <a:rPr lang="en-US" sz="1800" dirty="0">
+                <a:solidFill>
+                  <a:prstClr val="black"/>
+                </a:solidFill>
+                <a:latin typeface="Bodoni MT" charset="0"/>
+                <a:cs typeface="Helvetica Neue" charset="0"/>
+              </a:rPr>
+              <a:t>FURTHER WORK</a:t>
+            </a:r>
             <a:endParaRPr lang="en-US" dirty="0">
               <a:solidFill>
                 <a:prstClr val="black"/>
@@ -3449,109 +3509,60 @@
             </a:endParaRPr>
           </a:p>
           <a:p>
-            <a:pPr lvl="0"/>
-            <a:r>
-              <a:rPr lang="en-US" dirty="0">
-                <a:solidFill>
-                  <a:prstClr val="black"/>
-                </a:solidFill>
-                <a:latin typeface="Helvetica Neue" charset="0"/>
-                <a:cs typeface="Helvetica Neue" charset="0"/>
-              </a:rPr>
-              <a:t>Information Flow and security typing have many </a:t>
-            </a:r>
-            <a:r>
-              <a:rPr lang="en-US">
-                <a:solidFill>
-                  <a:prstClr val="black"/>
-                </a:solidFill>
-                <a:latin typeface="Helvetica Neue" charset="0"/>
-                <a:cs typeface="Helvetica Neue" charset="0"/>
-              </a:rPr>
-              <a:t>potential applications.</a:t>
-            </a:r>
-            <a:endParaRPr lang="en-US" dirty="0">
-              <a:solidFill>
-                <a:prstClr val="black"/>
-              </a:solidFill>
-              <a:latin typeface="Helvetica Neue" charset="0"/>
-              <a:cs typeface="Helvetica Neue" charset="0"/>
-            </a:endParaRPr>
-          </a:p>
-          <a:p>
-            <a:pPr lvl="0"/>
-            <a:endParaRPr lang="en-US" dirty="0">
-              <a:solidFill>
-                <a:prstClr val="black"/>
-              </a:solidFill>
-              <a:latin typeface="Helvetica Neue" charset="0"/>
-              <a:cs typeface="Helvetica Neue" charset="0"/>
-            </a:endParaRPr>
-          </a:p>
-          <a:p>
-            <a:pPr lvl="0"/>
-            <a:r>
-              <a:rPr lang="en-US" dirty="0">
-                <a:solidFill>
-                  <a:prstClr val="black"/>
-                </a:solidFill>
-                <a:latin typeface="Helvetica Neue" charset="0"/>
-                <a:cs typeface="Helvetica Neue" charset="0"/>
-              </a:rPr>
-              <a:t>Neither JIF nor Paragon are mature enough to be viable implementations.</a:t>
-            </a:r>
-          </a:p>
-          <a:p>
-            <a:pPr lvl="0"/>
-            <a:endParaRPr lang="en-US" dirty="0">
-              <a:solidFill>
-                <a:prstClr val="black"/>
-              </a:solidFill>
-              <a:latin typeface="Helvetica Neue" charset="0"/>
-              <a:cs typeface="Helvetica Neue" charset="0"/>
-            </a:endParaRPr>
-          </a:p>
-          <a:p>
-            <a:pPr lvl="0"/>
-            <a:r>
-              <a:rPr lang="en-US" dirty="0">
-                <a:solidFill>
-                  <a:prstClr val="black"/>
-                </a:solidFill>
-                <a:latin typeface="Helvetica Neue" charset="0"/>
-                <a:cs typeface="Helvetica Neue" charset="0"/>
-              </a:rPr>
-              <a:t>JIF’s policy model is more complex and requires more programmer burden.</a:t>
-            </a:r>
-          </a:p>
-          <a:p>
-            <a:pPr lvl="0"/>
-            <a:endParaRPr lang="en-US" dirty="0">
-              <a:solidFill>
-                <a:prstClr val="black"/>
-              </a:solidFill>
-              <a:latin typeface="Helvetica Neue" charset="0"/>
-              <a:cs typeface="Helvetica Neue" charset="0"/>
-            </a:endParaRPr>
-          </a:p>
-          <a:p>
-            <a:pPr lvl="0"/>
-            <a:r>
-              <a:rPr lang="en-US" dirty="0">
-                <a:solidFill>
-                  <a:prstClr val="black"/>
-                </a:solidFill>
-                <a:latin typeface="Helvetica Neue" charset="0"/>
-                <a:cs typeface="Helvetica Neue" charset="0"/>
-              </a:rPr>
-              <a:t>Paragon’s logic-based policies are both simpler to understand and more powerful.</a:t>
-            </a:r>
-          </a:p>
-          <a:p>
-            <a:endParaRPr lang="en-US" dirty="0">
-              <a:latin typeface="Helvetica Neue" charset="0"/>
-              <a:cs typeface="Helvetica Neue" charset="0"/>
-            </a:endParaRPr>
+            <a:r>
+              <a:rPr lang="en-US" dirty="0">
+                <a:latin typeface="Helvetica Neue" charset="0"/>
+                <a:cs typeface="Helvetica Neue" charset="0"/>
+              </a:rPr>
+              <a:t>Some other approaches:</a:t>
+            </a:r>
+          </a:p>
+          <a:p>
+            <a:pPr marL="285750" indent="-285750">
+              <a:buFont typeface="Arial" panose="020B0604020202020204" pitchFamily="34" charset="0"/>
+              <a:buChar char="•"/>
+            </a:pPr>
+            <a:r>
+              <a:rPr lang="en-US" dirty="0" err="1">
+                <a:latin typeface="Helvetica Neue" charset="0"/>
+                <a:cs typeface="Helvetica Neue" charset="0"/>
+              </a:rPr>
+              <a:t>LIFTy</a:t>
+            </a:r>
+            <a:r>
+              <a:rPr lang="en-US" dirty="0">
+                <a:latin typeface="Helvetica Neue" charset="0"/>
+                <a:cs typeface="Helvetica Neue" charset="0"/>
+              </a:rPr>
+              <a:t>: Haskell dialect which </a:t>
+            </a:r>
+            <a:r>
+              <a:rPr lang="en-US" dirty="0" err="1">
+                <a:latin typeface="Helvetica Neue" charset="0"/>
+                <a:cs typeface="Helvetica Neue" charset="0"/>
+              </a:rPr>
+              <a:t>synthesises</a:t>
+            </a:r>
+            <a:r>
+              <a:rPr lang="en-US" dirty="0">
+                <a:latin typeface="Helvetica Neue" charset="0"/>
+                <a:cs typeface="Helvetica Neue" charset="0"/>
+              </a:rPr>
+              <a:t> runtime checks based on refinement types</a:t>
+            </a:r>
+          </a:p>
+          <a:p>
+            <a:pPr marL="285750" indent="-285750">
+              <a:buFont typeface="Arial" panose="020B0604020202020204" pitchFamily="34" charset="0"/>
+              <a:buChar char="•"/>
+            </a:pPr>
+            <a:r>
+              <a:rPr lang="en-US" dirty="0">
+                <a:latin typeface="Helvetica Neue" charset="0"/>
+                <a:cs typeface="Helvetica Neue" charset="0"/>
+              </a:rPr>
+              <a:t>JRIF: extension of JIF to allow for dynamic policy using state automata</a:t>
+            </a:r>
           </a:p>
         </p:txBody>
       </p:sp>

--- a/poster/poster.pptx
+++ b/poster/poster.pptx
@@ -257,7 +257,7 @@
               <a:pPr>
                 <a:defRPr/>
               </a:pPr>
-              <a:t>10/10/2017</a:t>
+              <a:t>10/18/2017</a:t>
             </a:fld>
             <a:endParaRPr lang="en-US"/>
           </a:p>
@@ -857,7 +857,7 @@
               <a:pPr>
                 <a:defRPr/>
               </a:pPr>
-              <a:t>10/10/2017</a:t>
+              <a:t>10/18/2017</a:t>
             </a:fld>
             <a:endParaRPr lang="en-US"/>
           </a:p>
@@ -1883,7 +1883,7 @@
               <a:pPr>
                 <a:defRPr/>
               </a:pPr>
-              <a:t>10/10/2017</a:t>
+              <a:t>10/18/2017</a:t>
             </a:fld>
             <a:endParaRPr lang="en-US"/>
           </a:p>
@@ -2499,14 +2499,14 @@
                 <a:latin typeface="Helvetica Neue" charset="0"/>
                 <a:cs typeface="Helvetica Neue" charset="0"/>
               </a:rPr>
-              <a:t>access checks</a:t>
-            </a:r>
-            <a:r>
-              <a:rPr lang="en-US" dirty="0">
-                <a:latin typeface="Helvetica Neue" charset="0"/>
-                <a:cs typeface="Helvetica Neue" charset="0"/>
-              </a:rPr>
-              <a:t>.</a:t>
+              <a:t>access checks </a:t>
+            </a:r>
+            <a:r>
+              <a:rPr lang="en-US" dirty="0">
+                <a:latin typeface="Helvetica Neue" charset="0"/>
+                <a:cs typeface="Helvetica Neue" charset="0"/>
+              </a:rPr>
+              <a:t>at runtime.</a:t>
             </a:r>
           </a:p>
           <a:p>
@@ -3271,7 +3271,7 @@
         </p:blipFill>
         <p:spPr>
           <a:xfrm>
-            <a:off x="374982" y="2742563"/>
+            <a:off x="554095" y="2742563"/>
             <a:ext cx="2440860" cy="1229031"/>
           </a:xfrm>
           <a:ln/>
@@ -3449,27 +3449,26 @@
             </a:endParaRPr>
           </a:p>
           <a:p>
-            <a:pPr lvl="0"/>
-            <a:r>
-              <a:rPr lang="en-US" dirty="0">
-                <a:solidFill>
-                  <a:prstClr val="black"/>
-                </a:solidFill>
-                <a:latin typeface="Helvetica Neue" charset="0"/>
-                <a:cs typeface="Helvetica Neue" charset="0"/>
-              </a:rPr>
-              <a:t>Information Flow and security typing have many </a:t>
-            </a:r>
-            <a:r>
-              <a:rPr lang="en-US">
-                <a:solidFill>
-                  <a:prstClr val="black"/>
-                </a:solidFill>
-                <a:latin typeface="Helvetica Neue" charset="0"/>
-                <a:cs typeface="Helvetica Neue" charset="0"/>
-              </a:rPr>
-              <a:t>potential applications.</a:t>
-            </a:r>
+            <a:pPr marL="342900" lvl="0" indent="-342900">
+              <a:buFont typeface="+mj-lt"/>
+              <a:buAutoNum type="arabicPeriod"/>
+            </a:pPr>
+            <a:r>
+              <a:rPr lang="en-US" dirty="0">
+                <a:solidFill>
+                  <a:prstClr val="black"/>
+                </a:solidFill>
+                <a:latin typeface="Helvetica Neue" charset="0"/>
+                <a:cs typeface="Helvetica Neue" charset="0"/>
+              </a:rPr>
+              <a:t>Information Flow and security typing have many potential applications</a:t>
+            </a:r>
+          </a:p>
+          <a:p>
+            <a:pPr marL="342900" lvl="0" indent="-342900">
+              <a:buFont typeface="+mj-lt"/>
+              <a:buAutoNum type="arabicPeriod"/>
+            </a:pPr>
             <a:endParaRPr lang="en-US" dirty="0">
               <a:solidFill>
                 <a:prstClr val="black"/>
@@ -3479,7 +3478,26 @@
             </a:endParaRPr>
           </a:p>
           <a:p>
-            <a:pPr lvl="0"/>
+            <a:pPr marL="342900" lvl="0" indent="-342900">
+              <a:buFont typeface="+mj-lt"/>
+              <a:buAutoNum type="arabicPeriod"/>
+            </a:pPr>
+            <a:r>
+              <a:rPr lang="en-US" dirty="0">
+                <a:solidFill>
+                  <a:prstClr val="black"/>
+                </a:solidFill>
+                <a:latin typeface="Helvetica Neue" charset="0"/>
+                <a:cs typeface="Helvetica Neue" charset="0"/>
+              </a:rPr>
+              <a:t>Neither JIF nor Paragon are mature enough to be viable implementations</a:t>
+            </a:r>
+          </a:p>
+          <a:p>
+            <a:pPr marL="342900" lvl="0" indent="-342900">
+              <a:buFont typeface="+mj-lt"/>
+              <a:buAutoNum type="arabicPeriod"/>
+            </a:pPr>
             <a:endParaRPr lang="en-US" dirty="0">
               <a:solidFill>
                 <a:prstClr val="black"/>
@@ -3489,20 +3507,26 @@
             </a:endParaRPr>
           </a:p>
           <a:p>
-            <a:pPr lvl="0"/>
-            <a:r>
-              <a:rPr lang="en-US" dirty="0">
-                <a:solidFill>
-                  <a:prstClr val="black"/>
-                </a:solidFill>
-                <a:latin typeface="Helvetica Neue" charset="0"/>
-                <a:cs typeface="Helvetica Neue" charset="0"/>
-              </a:rPr>
-              <a:t>Neither JIF nor Paragon are mature enough to be viable implementations.</a:t>
-            </a:r>
-          </a:p>
-          <a:p>
-            <a:pPr lvl="0"/>
+            <a:pPr marL="342900" lvl="0" indent="-342900">
+              <a:buFont typeface="+mj-lt"/>
+              <a:buAutoNum type="arabicPeriod"/>
+            </a:pPr>
+            <a:r>
+              <a:rPr lang="en-US" dirty="0">
+                <a:solidFill>
+                  <a:prstClr val="black"/>
+                </a:solidFill>
+                <a:latin typeface="Helvetica Neue" charset="0"/>
+                <a:cs typeface="Helvetica Neue" charset="0"/>
+              </a:rPr>
+              <a:t>JIF’s policy model is more complex and places more burden on the programmer</a:t>
+            </a:r>
+          </a:p>
+          <a:p>
+            <a:pPr marL="342900" lvl="0" indent="-342900">
+              <a:buFont typeface="+mj-lt"/>
+              <a:buAutoNum type="arabicPeriod"/>
+            </a:pPr>
             <a:endParaRPr lang="en-US" dirty="0">
               <a:solidFill>
                 <a:prstClr val="black"/>
@@ -3512,20 +3536,30 @@
             </a:endParaRPr>
           </a:p>
           <a:p>
-            <a:pPr lvl="0"/>
-            <a:r>
-              <a:rPr lang="en-US" dirty="0">
-                <a:solidFill>
-                  <a:prstClr val="black"/>
-                </a:solidFill>
-                <a:latin typeface="Helvetica Neue" charset="0"/>
-                <a:cs typeface="Helvetica Neue" charset="0"/>
-              </a:rPr>
-              <a:t>JIF’s policy model is more complex and requires more programmer burden.</a:t>
-            </a:r>
-          </a:p>
-          <a:p>
-            <a:pPr lvl="0"/>
+            <a:pPr marL="342900" lvl="0" indent="-342900">
+              <a:buFont typeface="+mj-lt"/>
+              <a:buAutoNum type="arabicPeriod"/>
+            </a:pPr>
+            <a:r>
+              <a:rPr lang="en-US" dirty="0">
+                <a:solidFill>
+                  <a:prstClr val="black"/>
+                </a:solidFill>
+                <a:latin typeface="Helvetica Neue" charset="0"/>
+                <a:cs typeface="Helvetica Neue" charset="0"/>
+              </a:rPr>
+              <a:t>Paragon’s logic-based policies are both simpler to understand and more powerful in terms of </a:t>
+            </a:r>
+            <a:r>
+              <a:rPr lang="en-US">
+                <a:solidFill>
+                  <a:prstClr val="black"/>
+                </a:solidFill>
+                <a:latin typeface="Helvetica Neue" charset="0"/>
+                <a:cs typeface="Helvetica Neue" charset="0"/>
+              </a:rPr>
+              <a:t>policy expression</a:t>
+            </a:r>
             <a:endParaRPr lang="en-US" dirty="0">
               <a:solidFill>
                 <a:prstClr val="black"/>
@@ -3533,19 +3567,6 @@
               <a:latin typeface="Helvetica Neue" charset="0"/>
               <a:cs typeface="Helvetica Neue" charset="0"/>
             </a:endParaRPr>
-          </a:p>
-          <a:p>
-            <a:pPr lvl="0"/>
-            <a:r>
-              <a:rPr lang="en-US" dirty="0">
-                <a:solidFill>
-                  <a:prstClr val="black"/>
-                </a:solidFill>
-                <a:latin typeface="Helvetica Neue" charset="0"/>
-                <a:cs typeface="Helvetica Neue" charset="0"/>
-              </a:rPr>
-              <a:t>Paragon’s logic-based policies are both simpler to understand and more powerful.</a:t>
-            </a:r>
           </a:p>
           <a:p>
             <a:endParaRPr lang="en-US" dirty="0">

--- a/poster/poster.pptx
+++ b/poster/poster.pptx
@@ -257,7 +257,7 @@
               <a:pPr>
                 <a:defRPr/>
               </a:pPr>
-              <a:t>10/18/2017</a:t>
+              <a:t>10/19/2017</a:t>
             </a:fld>
             <a:endParaRPr lang="en-US"/>
           </a:p>
@@ -857,7 +857,7 @@
               <a:pPr>
                 <a:defRPr/>
               </a:pPr>
-              <a:t>10/18/2017</a:t>
+              <a:t>10/19/2017</a:t>
             </a:fld>
             <a:endParaRPr lang="en-US"/>
           </a:p>
@@ -1883,7 +1883,7 @@
               <a:pPr>
                 <a:defRPr/>
               </a:pPr>
-              <a:t>10/18/2017</a:t>
+              <a:t>10/19/2017</a:t>
             </a:fld>
             <a:endParaRPr lang="en-US"/>
           </a:p>
@@ -3576,711 +3576,6 @@
           </a:p>
         </p:txBody>
       </p:sp>
-      <p:sp>
-        <p:nvSpPr>
-          <p:cNvPr id="8" name="Content Placeholder 1">
-            <a:extLst>
-              <a:ext uri="{FF2B5EF4-FFF2-40B4-BE49-F238E27FC236}">
-                <a16:creationId xmlns:a16="http://schemas.microsoft.com/office/drawing/2014/main" id="{2A8F56C2-C5EA-4A08-9F18-88EBA2C33176}"/>
-              </a:ext>
-            </a:extLst>
-          </p:cNvPr>
-          <p:cNvSpPr txBox="1">
-            <a:spLocks/>
-          </p:cNvSpPr>
-          <p:nvPr/>
-        </p:nvSpPr>
-        <p:spPr bwMode="auto">
-          <a:xfrm>
-            <a:off x="16124185" y="111920"/>
-            <a:ext cx="3498850" cy="7656513"/>
-          </a:xfrm>
-          <a:prstGeom prst="rect">
-            <a:avLst/>
-          </a:prstGeom>
-          <a:noFill/>
-          <a:ln w="9525">
-            <a:noFill/>
-            <a:miter lim="800000"/>
-            <a:headEnd/>
-            <a:tailEnd/>
-          </a:ln>
-          <a:extLst>
-            <a:ext uri="{909E8E84-426E-40DD-AFC4-6F175D3DCCD1}">
-              <a14:hiddenFill xmlns:a14="http://schemas.microsoft.com/office/drawing/2010/main">
-                <a:solidFill>
-                  <a:srgbClr val="FFFFFF"/>
-                </a:solidFill>
-              </a14:hiddenFill>
-            </a:ext>
-            <a:ext uri="{91240B29-F687-4F45-9708-019B960494DF}">
-              <a14:hiddenLine xmlns:a14="http://schemas.microsoft.com/office/drawing/2010/main" w="9525">
-                <a:solidFill>
-                  <a:srgbClr val="000000"/>
-                </a:solidFill>
-                <a:miter lim="800000"/>
-                <a:headEnd/>
-                <a:tailEnd/>
-              </a14:hiddenLine>
-            </a:ext>
-          </a:extLst>
-        </p:spPr>
-        <p:txBody>
-          <a:bodyPr vert="horz" wrap="square" lIns="143378" tIns="71689" rIns="143378" bIns="71689" numCol="1" anchor="t" anchorCtr="0" compatLnSpc="1">
-            <a:prstTxWarp prst="textNoShape">
-              <a:avLst/>
-            </a:prstTxWarp>
-          </a:bodyPr>
-          <a:lstStyle>
-            <a:lvl1pPr marL="0" indent="0" algn="l" defTabSz="715963" rtl="0" eaLnBrk="0" fontAlgn="base" hangingPunct="0">
-              <a:spcBef>
-                <a:spcPct val="20000"/>
-              </a:spcBef>
-              <a:spcAft>
-                <a:spcPct val="0"/>
-              </a:spcAft>
-              <a:buFont typeface="Arial" charset="0"/>
-              <a:buNone/>
-              <a:defRPr sz="1400" kern="1200">
-                <a:solidFill>
-                  <a:schemeClr val="tx1"/>
-                </a:solidFill>
-                <a:latin typeface="Helvetica Neue"/>
-                <a:ea typeface="Geneva" charset="-128"/>
-                <a:cs typeface="Helvetica Neue"/>
-              </a:defRPr>
-            </a:lvl1pPr>
-            <a:lvl2pPr marL="1163638" indent="-447675" algn="l" defTabSz="715963" rtl="0" eaLnBrk="0" fontAlgn="base" hangingPunct="0">
-              <a:spcBef>
-                <a:spcPct val="20000"/>
-              </a:spcBef>
-              <a:spcAft>
-                <a:spcPct val="0"/>
-              </a:spcAft>
-              <a:buFont typeface="Arial" charset="0"/>
-              <a:buNone/>
-              <a:defRPr sz="1800" kern="1200">
-                <a:solidFill>
-                  <a:schemeClr val="tx1"/>
-                </a:solidFill>
-                <a:latin typeface="Helvetica Neue"/>
-                <a:ea typeface="Geneva" charset="-128"/>
-                <a:cs typeface="Helvetica Neue"/>
-              </a:defRPr>
-            </a:lvl2pPr>
-            <a:lvl3pPr marL="1790700" indent="-357188" algn="l" defTabSz="715963" rtl="0" eaLnBrk="0" fontAlgn="base" hangingPunct="0">
-              <a:spcBef>
-                <a:spcPct val="20000"/>
-              </a:spcBef>
-              <a:spcAft>
-                <a:spcPct val="0"/>
-              </a:spcAft>
-              <a:buFont typeface="Arial" charset="0"/>
-              <a:buNone/>
-              <a:defRPr sz="1800" kern="1200">
-                <a:solidFill>
-                  <a:schemeClr val="tx1"/>
-                </a:solidFill>
-                <a:latin typeface="Helvetica Neue"/>
-                <a:ea typeface="Geneva" charset="-128"/>
-                <a:cs typeface="Helvetica Neue"/>
-              </a:defRPr>
-            </a:lvl3pPr>
-            <a:lvl4pPr marL="2508250" indent="-357188" algn="l" defTabSz="715963" rtl="0" eaLnBrk="0" fontAlgn="base" hangingPunct="0">
-              <a:spcBef>
-                <a:spcPct val="20000"/>
-              </a:spcBef>
-              <a:spcAft>
-                <a:spcPct val="0"/>
-              </a:spcAft>
-              <a:buFont typeface="Arial" charset="0"/>
-              <a:buNone/>
-              <a:defRPr sz="1800" kern="1200">
-                <a:solidFill>
-                  <a:schemeClr val="tx1"/>
-                </a:solidFill>
-                <a:latin typeface="Helvetica Neue"/>
-                <a:ea typeface="Geneva" charset="-128"/>
-                <a:cs typeface="Helvetica Neue"/>
-              </a:defRPr>
-            </a:lvl4pPr>
-            <a:lvl5pPr marL="3225800" indent="-357188" algn="l" defTabSz="715963" rtl="0" eaLnBrk="0" fontAlgn="base" hangingPunct="0">
-              <a:spcBef>
-                <a:spcPct val="20000"/>
-              </a:spcBef>
-              <a:spcAft>
-                <a:spcPct val="0"/>
-              </a:spcAft>
-              <a:buFont typeface="Arial" charset="0"/>
-              <a:buNone/>
-              <a:defRPr sz="1800" kern="1200">
-                <a:solidFill>
-                  <a:schemeClr val="tx1"/>
-                </a:solidFill>
-                <a:latin typeface="Helvetica Neue"/>
-                <a:ea typeface="Geneva" charset="-128"/>
-                <a:cs typeface="Helvetica Neue"/>
-              </a:defRPr>
-            </a:lvl5pPr>
-            <a:lvl6pPr marL="3942893" indent="-358445" algn="l" defTabSz="716890" rtl="0" eaLnBrk="1" latinLnBrk="0" hangingPunct="1">
-              <a:spcBef>
-                <a:spcPct val="20000"/>
-              </a:spcBef>
-              <a:buFont typeface="Arial"/>
-              <a:buChar char="•"/>
-              <a:defRPr sz="3100" kern="1200">
-                <a:solidFill>
-                  <a:schemeClr val="tx1"/>
-                </a:solidFill>
-                <a:latin typeface="+mn-lt"/>
-                <a:ea typeface="+mn-ea"/>
-                <a:cs typeface="+mn-cs"/>
-              </a:defRPr>
-            </a:lvl6pPr>
-            <a:lvl7pPr marL="4659782" indent="-358445" algn="l" defTabSz="716890" rtl="0" eaLnBrk="1" latinLnBrk="0" hangingPunct="1">
-              <a:spcBef>
-                <a:spcPct val="20000"/>
-              </a:spcBef>
-              <a:buFont typeface="Arial"/>
-              <a:buChar char="•"/>
-              <a:defRPr sz="3100" kern="1200">
-                <a:solidFill>
-                  <a:schemeClr val="tx1"/>
-                </a:solidFill>
-                <a:latin typeface="+mn-lt"/>
-                <a:ea typeface="+mn-ea"/>
-                <a:cs typeface="+mn-cs"/>
-              </a:defRPr>
-            </a:lvl7pPr>
-            <a:lvl8pPr marL="5376672" indent="-358445" algn="l" defTabSz="716890" rtl="0" eaLnBrk="1" latinLnBrk="0" hangingPunct="1">
-              <a:spcBef>
-                <a:spcPct val="20000"/>
-              </a:spcBef>
-              <a:buFont typeface="Arial"/>
-              <a:buChar char="•"/>
-              <a:defRPr sz="3100" kern="1200">
-                <a:solidFill>
-                  <a:schemeClr val="tx1"/>
-                </a:solidFill>
-                <a:latin typeface="+mn-lt"/>
-                <a:ea typeface="+mn-ea"/>
-                <a:cs typeface="+mn-cs"/>
-              </a:defRPr>
-            </a:lvl8pPr>
-            <a:lvl9pPr marL="6093562" indent="-358445" algn="l" defTabSz="716890" rtl="0" eaLnBrk="1" latinLnBrk="0" hangingPunct="1">
-              <a:spcBef>
-                <a:spcPct val="20000"/>
-              </a:spcBef>
-              <a:buFont typeface="Arial"/>
-              <a:buChar char="•"/>
-              <a:defRPr sz="3100" kern="1200">
-                <a:solidFill>
-                  <a:schemeClr val="tx1"/>
-                </a:solidFill>
-                <a:latin typeface="+mn-lt"/>
-                <a:ea typeface="+mn-ea"/>
-                <a:cs typeface="+mn-cs"/>
-              </a:defRPr>
-            </a:lvl9pPr>
-          </a:lstStyle>
-          <a:p>
-            <a:r>
-              <a:rPr lang="en-US" sz="1800" dirty="0">
-                <a:latin typeface="Bodoni MT" charset="0"/>
-                <a:cs typeface="Helvetica Neue" charset="0"/>
-              </a:rPr>
-              <a:t>MAIN HEADINGS – BODONI MT 18PT ALL CAPS</a:t>
-            </a:r>
-          </a:p>
-          <a:p>
-            <a:endParaRPr lang="en-US" sz="1600" dirty="0">
-              <a:latin typeface="Bodoni MT" charset="0"/>
-              <a:cs typeface="Helvetica Neue" charset="0"/>
-            </a:endParaRPr>
-          </a:p>
-          <a:p>
-            <a:r>
-              <a:rPr lang="en-US" b="1" dirty="0">
-                <a:latin typeface="Helvetica Neue" charset="0"/>
-                <a:cs typeface="Helvetica Neue" charset="0"/>
-              </a:rPr>
-              <a:t>Subheadings – Helvetica Neue Bold 14pt</a:t>
-            </a:r>
-          </a:p>
-          <a:p>
-            <a:r>
-              <a:rPr lang="en-US" dirty="0">
-                <a:latin typeface="Helvetica Neue" charset="0"/>
-                <a:cs typeface="Helvetica Neue" charset="0"/>
-              </a:rPr>
-              <a:t>Body Text – Helvetica Neue 14pt (min 12pt)</a:t>
-            </a:r>
-          </a:p>
-          <a:p>
-            <a:endParaRPr lang="en-US" dirty="0">
-              <a:latin typeface="Helvetica Neue" charset="0"/>
-              <a:cs typeface="Helvetica Neue" charset="0"/>
-            </a:endParaRPr>
-          </a:p>
-          <a:p>
-            <a:r>
-              <a:rPr lang="en-US" b="1" dirty="0">
-                <a:latin typeface="Helvetica Neue" charset="0"/>
-                <a:cs typeface="Helvetica Neue" charset="0"/>
-              </a:rPr>
-              <a:t>Don’t have the above fonts installed?</a:t>
-            </a:r>
-          </a:p>
-          <a:p>
-            <a:r>
-              <a:rPr lang="en-US" dirty="0">
-                <a:latin typeface="Helvetica Neue" charset="0"/>
-                <a:cs typeface="Helvetica Neue" charset="0"/>
-              </a:rPr>
-              <a:t>Substitutes for Bodoni MT:</a:t>
-            </a:r>
-          </a:p>
-          <a:p>
-            <a:r>
-              <a:rPr lang="en-US" dirty="0" err="1">
-                <a:latin typeface="Didot" charset="0"/>
-                <a:cs typeface="Helvetica Neue" charset="0"/>
-              </a:rPr>
-              <a:t>Didot</a:t>
-            </a:r>
-            <a:r>
-              <a:rPr lang="en-US" dirty="0">
-                <a:latin typeface="Didot" charset="0"/>
-                <a:cs typeface="Helvetica Neue" charset="0"/>
-              </a:rPr>
-              <a:t> on Apple</a:t>
-            </a:r>
-          </a:p>
-          <a:p>
-            <a:r>
-              <a:rPr lang="en-US" dirty="0">
-                <a:latin typeface="Times New Roman" charset="0"/>
-                <a:cs typeface="Times New Roman" charset="0"/>
-              </a:rPr>
-              <a:t>or Times New Roman (Apple &amp; Windows)</a:t>
-            </a:r>
-          </a:p>
-          <a:p>
-            <a:endParaRPr lang="en-US" dirty="0">
-              <a:latin typeface="Helvetica Neue" charset="0"/>
-              <a:cs typeface="Helvetica Neue" charset="0"/>
-            </a:endParaRPr>
-          </a:p>
-          <a:p>
-            <a:r>
-              <a:rPr lang="en-US" dirty="0">
-                <a:latin typeface="Helvetica Neue" charset="0"/>
-                <a:cs typeface="Helvetica Neue" charset="0"/>
-              </a:rPr>
-              <a:t>Substitutes for Helvetica Neue:</a:t>
-            </a:r>
-          </a:p>
-          <a:p>
-            <a:r>
-              <a:rPr lang="en-US" dirty="0">
-                <a:latin typeface="Helvetica" charset="0"/>
-                <a:cs typeface="Helvetica" charset="0"/>
-              </a:rPr>
-              <a:t>Helvetica (Apple)</a:t>
-            </a:r>
-          </a:p>
-          <a:p>
-            <a:r>
-              <a:rPr lang="en-US" dirty="0">
-                <a:latin typeface="Arial" charset="0"/>
-                <a:cs typeface="Arial" charset="0"/>
-              </a:rPr>
-              <a:t>or Arial (Apple &amp; Windows)</a:t>
-            </a:r>
-          </a:p>
-          <a:p>
-            <a:endParaRPr lang="en-US" dirty="0">
-              <a:latin typeface="Helvetica Neue" charset="0"/>
-              <a:cs typeface="Helvetica Neue" charset="0"/>
-            </a:endParaRPr>
-          </a:p>
-        </p:txBody>
-      </p:sp>
-      <p:sp>
-        <p:nvSpPr>
-          <p:cNvPr id="9" name="Content Placeholder 7">
-            <a:extLst>
-              <a:ext uri="{FF2B5EF4-FFF2-40B4-BE49-F238E27FC236}">
-                <a16:creationId xmlns:a16="http://schemas.microsoft.com/office/drawing/2014/main" id="{70E5F699-2657-425B-A81B-B2F494A452EF}"/>
-              </a:ext>
-            </a:extLst>
-          </p:cNvPr>
-          <p:cNvSpPr txBox="1">
-            <a:spLocks/>
-          </p:cNvSpPr>
-          <p:nvPr/>
-        </p:nvSpPr>
-        <p:spPr bwMode="auto">
-          <a:xfrm>
-            <a:off x="18719229" y="1270000"/>
-            <a:ext cx="3500437" cy="7656513"/>
-          </a:xfrm>
-          <a:prstGeom prst="rect">
-            <a:avLst/>
-          </a:prstGeom>
-          <a:noFill/>
-          <a:ln w="9525">
-            <a:noFill/>
-            <a:miter lim="800000"/>
-            <a:headEnd/>
-            <a:tailEnd/>
-          </a:ln>
-          <a:extLst>
-            <a:ext uri="{909E8E84-426E-40DD-AFC4-6F175D3DCCD1}">
-              <a14:hiddenFill xmlns:a14="http://schemas.microsoft.com/office/drawing/2010/main">
-                <a:solidFill>
-                  <a:srgbClr val="FFFFFF"/>
-                </a:solidFill>
-              </a14:hiddenFill>
-            </a:ext>
-            <a:ext uri="{91240B29-F687-4F45-9708-019B960494DF}">
-              <a14:hiddenLine xmlns:a14="http://schemas.microsoft.com/office/drawing/2010/main" w="9525">
-                <a:solidFill>
-                  <a:srgbClr val="000000"/>
-                </a:solidFill>
-                <a:miter lim="800000"/>
-                <a:headEnd/>
-                <a:tailEnd/>
-              </a14:hiddenLine>
-            </a:ext>
-          </a:extLst>
-        </p:spPr>
-        <p:txBody>
-          <a:bodyPr vert="horz" wrap="square" lIns="143378" tIns="71689" rIns="143378" bIns="71689" numCol="1" anchor="t" anchorCtr="0" compatLnSpc="1">
-            <a:prstTxWarp prst="textNoShape">
-              <a:avLst/>
-            </a:prstTxWarp>
-          </a:bodyPr>
-          <a:lstStyle>
-            <a:lvl1pPr marL="0" indent="0" algn="l" defTabSz="715963" rtl="0" eaLnBrk="0" fontAlgn="base" hangingPunct="0">
-              <a:spcBef>
-                <a:spcPct val="20000"/>
-              </a:spcBef>
-              <a:spcAft>
-                <a:spcPct val="0"/>
-              </a:spcAft>
-              <a:buFont typeface="Arial" charset="0"/>
-              <a:buNone/>
-              <a:defRPr sz="1400" kern="1200">
-                <a:solidFill>
-                  <a:schemeClr val="tx1"/>
-                </a:solidFill>
-                <a:latin typeface="Helvetica Neue"/>
-                <a:ea typeface="Geneva" charset="-128"/>
-                <a:cs typeface="Helvetica Neue"/>
-              </a:defRPr>
-            </a:lvl1pPr>
-            <a:lvl2pPr marL="1163638" indent="-447675" algn="l" defTabSz="715963" rtl="0" eaLnBrk="0" fontAlgn="base" hangingPunct="0">
-              <a:spcBef>
-                <a:spcPct val="20000"/>
-              </a:spcBef>
-              <a:spcAft>
-                <a:spcPct val="0"/>
-              </a:spcAft>
-              <a:buFont typeface="Arial" charset="0"/>
-              <a:buNone/>
-              <a:defRPr sz="1800" kern="1200">
-                <a:solidFill>
-                  <a:schemeClr val="tx1"/>
-                </a:solidFill>
-                <a:latin typeface="Helvetica Neue"/>
-                <a:ea typeface="Geneva" charset="-128"/>
-                <a:cs typeface="Helvetica Neue"/>
-              </a:defRPr>
-            </a:lvl2pPr>
-            <a:lvl3pPr marL="1790700" indent="-357188" algn="l" defTabSz="715963" rtl="0" eaLnBrk="0" fontAlgn="base" hangingPunct="0">
-              <a:spcBef>
-                <a:spcPct val="20000"/>
-              </a:spcBef>
-              <a:spcAft>
-                <a:spcPct val="0"/>
-              </a:spcAft>
-              <a:buFont typeface="Arial" charset="0"/>
-              <a:buNone/>
-              <a:defRPr sz="1800" kern="1200">
-                <a:solidFill>
-                  <a:schemeClr val="tx1"/>
-                </a:solidFill>
-                <a:latin typeface="Helvetica Neue"/>
-                <a:ea typeface="Geneva" charset="-128"/>
-                <a:cs typeface="Helvetica Neue"/>
-              </a:defRPr>
-            </a:lvl3pPr>
-            <a:lvl4pPr marL="2508250" indent="-357188" algn="l" defTabSz="715963" rtl="0" eaLnBrk="0" fontAlgn="base" hangingPunct="0">
-              <a:spcBef>
-                <a:spcPct val="20000"/>
-              </a:spcBef>
-              <a:spcAft>
-                <a:spcPct val="0"/>
-              </a:spcAft>
-              <a:buFont typeface="Arial" charset="0"/>
-              <a:buNone/>
-              <a:defRPr sz="1800" kern="1200">
-                <a:solidFill>
-                  <a:schemeClr val="tx1"/>
-                </a:solidFill>
-                <a:latin typeface="Helvetica Neue"/>
-                <a:ea typeface="Geneva" charset="-128"/>
-                <a:cs typeface="Helvetica Neue"/>
-              </a:defRPr>
-            </a:lvl4pPr>
-            <a:lvl5pPr marL="3225800" indent="-357188" algn="l" defTabSz="715963" rtl="0" eaLnBrk="0" fontAlgn="base" hangingPunct="0">
-              <a:spcBef>
-                <a:spcPct val="20000"/>
-              </a:spcBef>
-              <a:spcAft>
-                <a:spcPct val="0"/>
-              </a:spcAft>
-              <a:buFont typeface="Arial" charset="0"/>
-              <a:buNone/>
-              <a:defRPr sz="1800" kern="1200">
-                <a:solidFill>
-                  <a:schemeClr val="tx1"/>
-                </a:solidFill>
-                <a:latin typeface="Helvetica Neue"/>
-                <a:ea typeface="Geneva" charset="-128"/>
-                <a:cs typeface="Helvetica Neue"/>
-              </a:defRPr>
-            </a:lvl5pPr>
-            <a:lvl6pPr marL="3942893" indent="-358445" algn="l" defTabSz="716890" rtl="0" eaLnBrk="1" latinLnBrk="0" hangingPunct="1">
-              <a:spcBef>
-                <a:spcPct val="20000"/>
-              </a:spcBef>
-              <a:buFont typeface="Arial"/>
-              <a:buChar char="•"/>
-              <a:defRPr sz="3100" kern="1200">
-                <a:solidFill>
-                  <a:schemeClr val="tx1"/>
-                </a:solidFill>
-                <a:latin typeface="+mn-lt"/>
-                <a:ea typeface="+mn-ea"/>
-                <a:cs typeface="+mn-cs"/>
-              </a:defRPr>
-            </a:lvl6pPr>
-            <a:lvl7pPr marL="4659782" indent="-358445" algn="l" defTabSz="716890" rtl="0" eaLnBrk="1" latinLnBrk="0" hangingPunct="1">
-              <a:spcBef>
-                <a:spcPct val="20000"/>
-              </a:spcBef>
-              <a:buFont typeface="Arial"/>
-              <a:buChar char="•"/>
-              <a:defRPr sz="3100" kern="1200">
-                <a:solidFill>
-                  <a:schemeClr val="tx1"/>
-                </a:solidFill>
-                <a:latin typeface="+mn-lt"/>
-                <a:ea typeface="+mn-ea"/>
-                <a:cs typeface="+mn-cs"/>
-              </a:defRPr>
-            </a:lvl7pPr>
-            <a:lvl8pPr marL="5376672" indent="-358445" algn="l" defTabSz="716890" rtl="0" eaLnBrk="1" latinLnBrk="0" hangingPunct="1">
-              <a:spcBef>
-                <a:spcPct val="20000"/>
-              </a:spcBef>
-              <a:buFont typeface="Arial"/>
-              <a:buChar char="•"/>
-              <a:defRPr sz="3100" kern="1200">
-                <a:solidFill>
-                  <a:schemeClr val="tx1"/>
-                </a:solidFill>
-                <a:latin typeface="+mn-lt"/>
-                <a:ea typeface="+mn-ea"/>
-                <a:cs typeface="+mn-cs"/>
-              </a:defRPr>
-            </a:lvl8pPr>
-            <a:lvl9pPr marL="6093562" indent="-358445" algn="l" defTabSz="716890" rtl="0" eaLnBrk="1" latinLnBrk="0" hangingPunct="1">
-              <a:spcBef>
-                <a:spcPct val="20000"/>
-              </a:spcBef>
-              <a:buFont typeface="Arial"/>
-              <a:buChar char="•"/>
-              <a:defRPr sz="3100" kern="1200">
-                <a:solidFill>
-                  <a:schemeClr val="tx1"/>
-                </a:solidFill>
-                <a:latin typeface="+mn-lt"/>
-                <a:ea typeface="+mn-ea"/>
-                <a:cs typeface="+mn-cs"/>
-              </a:defRPr>
-            </a:lvl9pPr>
-          </a:lstStyle>
-          <a:p>
-            <a:r>
-              <a:rPr lang="en-US" b="1">
-                <a:latin typeface="Helvetica Neue" charset="0"/>
-                <a:cs typeface="Helvetica Neue" charset="0"/>
-              </a:rPr>
-              <a:t>General Hints &amp; Tips</a:t>
-            </a:r>
-          </a:p>
-          <a:p>
-            <a:r>
-              <a:rPr lang="en-US" b="1" i="1">
-                <a:latin typeface="Helvetica Neue" charset="0"/>
-                <a:cs typeface="Helvetica Neue" charset="0"/>
-              </a:rPr>
-              <a:t>Do not </a:t>
-            </a:r>
-            <a:r>
-              <a:rPr lang="en-US">
-                <a:latin typeface="Helvetica Neue" charset="0"/>
-                <a:cs typeface="Helvetica Neue" charset="0"/>
-              </a:rPr>
-              <a:t>change the colour/size/logos/positioning of the Slide Master.</a:t>
-            </a:r>
-          </a:p>
-          <a:p>
-            <a:r>
-              <a:rPr lang="en-US">
-                <a:latin typeface="Helvetica Neue" charset="0"/>
-                <a:cs typeface="Helvetica Neue" charset="0"/>
-              </a:rPr>
-              <a:t>This is a standard format across all Innovation Expo posters.</a:t>
-            </a:r>
-          </a:p>
-          <a:p>
-            <a:r>
-              <a:rPr lang="en-US" b="1" i="1">
-                <a:latin typeface="Helvetica Neue" charset="0"/>
-                <a:cs typeface="Helvetica Neue" charset="0"/>
-              </a:rPr>
-              <a:t>Do not </a:t>
-            </a:r>
-            <a:r>
-              <a:rPr lang="en-US">
-                <a:latin typeface="Helvetica Neue" charset="0"/>
-                <a:cs typeface="Helvetica Neue" charset="0"/>
-              </a:rPr>
-              <a:t>add other corporate logos. This is an infringement of copyright, unless you have express permission to do so.</a:t>
-            </a:r>
-          </a:p>
-          <a:p>
-            <a:r>
-              <a:rPr lang="en-US" b="1" i="1">
-                <a:latin typeface="Helvetica Neue" charset="0"/>
-                <a:cs typeface="Helvetica Neue" charset="0"/>
-              </a:rPr>
-              <a:t>Do</a:t>
-            </a:r>
-            <a:r>
-              <a:rPr lang="en-US">
-                <a:latin typeface="Helvetica Neue" charset="0"/>
-                <a:cs typeface="Helvetica Neue" charset="0"/>
-              </a:rPr>
-              <a:t> use this space as creatively as you wish.</a:t>
-            </a:r>
-          </a:p>
-          <a:p>
-            <a:r>
-              <a:rPr lang="en-US" b="1" i="1">
-                <a:latin typeface="Helvetica Neue" charset="0"/>
-                <a:cs typeface="Helvetica Neue" charset="0"/>
-              </a:rPr>
-              <a:t>Avoid </a:t>
-            </a:r>
-            <a:r>
-              <a:rPr lang="en-US">
-                <a:latin typeface="Helvetica Neue" charset="0"/>
-                <a:cs typeface="Helvetica Neue" charset="0"/>
-              </a:rPr>
-              <a:t>using large background colours – doesn’t print well.</a:t>
-            </a:r>
-          </a:p>
-          <a:p>
-            <a:r>
-              <a:rPr lang="en-US" b="1" i="1">
-                <a:latin typeface="Helvetica Neue" charset="0"/>
-                <a:cs typeface="Helvetica Neue" charset="0"/>
-              </a:rPr>
-              <a:t>Stick to </a:t>
-            </a:r>
-            <a:r>
-              <a:rPr lang="en-US">
-                <a:latin typeface="Helvetica Neue" charset="0"/>
-                <a:cs typeface="Helvetica Neue" charset="0"/>
-              </a:rPr>
-              <a:t>the basic fonts &amp; sizes (left) – these read clearly. If you need to reduce the text size, you are trying to put too much on your poster.</a:t>
-            </a:r>
-          </a:p>
-          <a:p>
-            <a:r>
-              <a:rPr lang="en-US" b="1" i="1">
-                <a:latin typeface="Helvetica Neue" charset="0"/>
-                <a:cs typeface="Helvetica Neue" charset="0"/>
-              </a:rPr>
-              <a:t>As a check</a:t>
-            </a:r>
-            <a:r>
-              <a:rPr lang="en-US">
-                <a:latin typeface="Helvetica Neue" charset="0"/>
-                <a:cs typeface="Helvetica Neue" charset="0"/>
-              </a:rPr>
-              <a:t>, print “scaled to fit” onto A4 and read at arms length.</a:t>
-            </a:r>
-          </a:p>
-          <a:p>
-            <a:r>
-              <a:rPr lang="en-US" b="1" i="1">
-                <a:latin typeface="Helvetica Neue" charset="0"/>
-                <a:cs typeface="Helvetica Neue" charset="0"/>
-              </a:rPr>
-              <a:t>Save </a:t>
-            </a:r>
-            <a:r>
-              <a:rPr lang="en-US">
-                <a:latin typeface="Helvetica Neue" charset="0"/>
-                <a:cs typeface="Helvetica Neue" charset="0"/>
-              </a:rPr>
-              <a:t>your poster as you work on it.</a:t>
-            </a:r>
-          </a:p>
-          <a:p>
-            <a:r>
-              <a:rPr lang="en-US" b="1" i="1">
-                <a:latin typeface="Helvetica Neue" charset="0"/>
-                <a:cs typeface="Helvetica Neue" charset="0"/>
-              </a:rPr>
-              <a:t>You shouldn’t</a:t>
-            </a:r>
-            <a:r>
-              <a:rPr lang="en-US">
-                <a:latin typeface="Helvetica Neue" charset="0"/>
-                <a:cs typeface="Helvetica Neue" charset="0"/>
-              </a:rPr>
-              <a:t> need to change the sizing of this file, it should already be landscape format with width: 41cm and height: 28.7 cm (A3 with 5 mm borders all around).</a:t>
-            </a:r>
-          </a:p>
-          <a:p>
-            <a:r>
-              <a:rPr lang="en-US" b="1" i="1">
-                <a:latin typeface="Helvetica Neue" charset="0"/>
-                <a:cs typeface="Helvetica Neue" charset="0"/>
-              </a:rPr>
-              <a:t>The title </a:t>
-            </a:r>
-            <a:r>
-              <a:rPr lang="en-US">
-                <a:latin typeface="Helvetica Neue" charset="0"/>
-                <a:cs typeface="Helvetica Neue" charset="0"/>
-              </a:rPr>
-              <a:t>may look to close to the top edge – don’t be tempted to change it. It allows for the extra 5mm from the printing.</a:t>
-            </a:r>
-            <a:endParaRPr lang="en-US" dirty="0">
-              <a:latin typeface="Helvetica Neue" charset="0"/>
-              <a:cs typeface="Helvetica Neue" charset="0"/>
-            </a:endParaRPr>
-          </a:p>
-        </p:txBody>
-      </p:sp>
       <p:grpSp>
         <p:nvGrpSpPr>
           <p:cNvPr id="2" name="Group 1">
@@ -4362,47 +3657,6 @@
           </p:spPr>
         </p:pic>
       </p:grpSp>
-      <p:sp>
-        <p:nvSpPr>
-          <p:cNvPr id="14" name="TextBox 13">
-            <a:extLst>
-              <a:ext uri="{FF2B5EF4-FFF2-40B4-BE49-F238E27FC236}">
-                <a16:creationId xmlns:a16="http://schemas.microsoft.com/office/drawing/2014/main" id="{664C3D7B-FA0C-4F67-A428-44CABEEFA1A0}"/>
-              </a:ext>
-            </a:extLst>
-          </p:cNvPr>
-          <p:cNvSpPr txBox="1"/>
-          <p:nvPr/>
-        </p:nvSpPr>
-        <p:spPr>
-          <a:xfrm>
-            <a:off x="16724671" y="8606117"/>
-            <a:ext cx="3067664" cy="1169551"/>
-          </a:xfrm>
-          <a:prstGeom prst="rect">
-            <a:avLst/>
-          </a:prstGeom>
-          <a:noFill/>
-        </p:spPr>
-        <p:txBody>
-          <a:bodyPr wrap="square" rtlCol="0">
-            <a:spAutoFit/>
-          </a:bodyPr>
-          <a:lstStyle/>
-          <a:p>
-            <a:r>
-              <a:rPr lang="en-US" sz="1400" i="1" dirty="0">
-                <a:latin typeface="Helvetica Neue" charset="0"/>
-                <a:cs typeface="Helvetica Neue" charset="0"/>
-              </a:rPr>
-              <a:t>A passive attacker should be unable to distinguish between program executions which differ only in their high confidentiality inputs</a:t>
-            </a:r>
-          </a:p>
-          <a:p>
-            <a:endParaRPr lang="en-AU" sz="1400" dirty="0"/>
-          </a:p>
-        </p:txBody>
-      </p:sp>
       <p:pic>
         <p:nvPicPr>
           <p:cNvPr id="1029" name="Picture 5" descr="Jif logo">
